--- a/reference_material/slides/028_pipelines.pptx
+++ b/reference_material/slides/028_pipelines.pptx
@@ -5,24 +5,27 @@
     <p:sldMasterId id="2147483660" r:id="rId1"/>
   </p:sldMasterIdLst>
   <p:sldIdLst>
-    <p:sldId id="256" r:id="rId2"/>
-    <p:sldId id="268" r:id="rId3"/>
+    <p:sldId id="268" r:id="rId2"/>
+    <p:sldId id="256" r:id="rId3"/>
     <p:sldId id="265" r:id="rId4"/>
-    <p:sldId id="266" r:id="rId5"/>
-    <p:sldId id="267" r:id="rId6"/>
-    <p:sldId id="277" r:id="rId7"/>
-    <p:sldId id="275" r:id="rId8"/>
-    <p:sldId id="278" r:id="rId9"/>
-    <p:sldId id="279" r:id="rId10"/>
-    <p:sldId id="269" r:id="rId11"/>
-    <p:sldId id="271" r:id="rId12"/>
-    <p:sldId id="273" r:id="rId13"/>
-    <p:sldId id="276" r:id="rId14"/>
-    <p:sldId id="280" r:id="rId15"/>
-    <p:sldId id="281" r:id="rId16"/>
-    <p:sldId id="272" r:id="rId17"/>
-    <p:sldId id="274" r:id="rId18"/>
-    <p:sldId id="270" r:id="rId19"/>
+    <p:sldId id="284" r:id="rId5"/>
+    <p:sldId id="282" r:id="rId6"/>
+    <p:sldId id="267" r:id="rId7"/>
+    <p:sldId id="266" r:id="rId8"/>
+    <p:sldId id="277" r:id="rId9"/>
+    <p:sldId id="275" r:id="rId10"/>
+    <p:sldId id="278" r:id="rId11"/>
+    <p:sldId id="279" r:id="rId12"/>
+    <p:sldId id="269" r:id="rId13"/>
+    <p:sldId id="271" r:id="rId14"/>
+    <p:sldId id="273" r:id="rId15"/>
+    <p:sldId id="276" r:id="rId16"/>
+    <p:sldId id="280" r:id="rId17"/>
+    <p:sldId id="281" r:id="rId18"/>
+    <p:sldId id="272" r:id="rId19"/>
+    <p:sldId id="283" r:id="rId20"/>
+    <p:sldId id="274" r:id="rId21"/>
+    <p:sldId id="270" r:id="rId22"/>
   </p:sldIdLst>
   <p:sldSz cx="12192000" cy="6858000"/>
   <p:notesSz cx="6858000" cy="9144000"/>
@@ -122,6 +125,47 @@
     </a:lvl9pPr>
   </p:defaultTextStyle>
   <p:extLst>
+    <p:ext uri="{521415D9-36F7-43E2-AB2F-B90AF26B5E84}">
+      <p14:sectionLst xmlns:p14="http://schemas.microsoft.com/office/powerpoint/2010/main">
+        <p14:section name="Default Section" id="{D0564CC3-C7F9-F043-AD01-565B75426E36}">
+          <p14:sldIdLst>
+            <p14:sldId id="268"/>
+            <p14:sldId id="256"/>
+          </p14:sldIdLst>
+        </p14:section>
+        <p14:section name="Intro" id="{06866142-8B23-3948-8067-3C1A1F347896}">
+          <p14:sldIdLst>
+            <p14:sldId id="265"/>
+            <p14:sldId id="284"/>
+            <p14:sldId id="282"/>
+            <p14:sldId id="267"/>
+            <p14:sldId id="266"/>
+            <p14:sldId id="277"/>
+            <p14:sldId id="275"/>
+          </p14:sldIdLst>
+        </p14:section>
+        <p14:section name="Pipes" id="{89583897-0148-1E4C-A10E-4165A0D5B188}">
+          <p14:sldIdLst>
+            <p14:sldId id="278"/>
+          </p14:sldIdLst>
+        </p14:section>
+        <p14:section name="Transformers" id="{ED073739-B85A-1048-9F9F-7D7429F444B9}">
+          <p14:sldIdLst>
+            <p14:sldId id="279"/>
+            <p14:sldId id="269"/>
+            <p14:sldId id="271"/>
+            <p14:sldId id="273"/>
+            <p14:sldId id="276"/>
+            <p14:sldId id="280"/>
+            <p14:sldId id="281"/>
+            <p14:sldId id="272"/>
+            <p14:sldId id="283"/>
+            <p14:sldId id="274"/>
+            <p14:sldId id="270"/>
+          </p14:sldIdLst>
+        </p14:section>
+      </p14:sectionLst>
+    </p:ext>
     <p:ext uri="{EFAFB233-063F-42B5-8137-9DF3F51BA10A}">
       <p15:sldGuideLst xmlns:p15="http://schemas.microsoft.com/office/powerpoint/2012/main"/>
     </p:ext>
@@ -3647,7 +3691,7 @@
           <p:cNvPr id="2" name="Title 1">
             <a:extLst>
               <a:ext uri="{FF2B5EF4-FFF2-40B4-BE49-F238E27FC236}">
-                <a16:creationId xmlns:a16="http://schemas.microsoft.com/office/drawing/2014/main" id="{FC9EDFE7-1B4B-FB42-87D7-F86F9DFF7450}"/>
+                <a16:creationId xmlns:a16="http://schemas.microsoft.com/office/drawing/2014/main" id="{5A89AC1B-2260-4547-BC3A-FF4DA0EC77D6}"/>
               </a:ext>
             </a:extLst>
           </p:cNvPr>
@@ -3655,7 +3699,7 @@
             <a:spLocks noGrp="1"/>
           </p:cNvSpPr>
           <p:nvPr>
-            <p:ph type="ctrTitle"/>
+            <p:ph type="title"/>
           </p:nvPr>
         </p:nvSpPr>
         <p:spPr/>
@@ -3664,18 +3708,19 @@
           <a:lstStyle/>
           <a:p>
             <a:r>
-              <a:rPr lang="en-US" dirty="0"/>
-              <a:t>Pipelines</a:t>
-            </a:r>
-          </a:p>
-        </p:txBody>
-      </p:sp>
-      <p:sp>
-        <p:nvSpPr>
-          <p:cNvPr id="3" name="Subtitle 2">
+              <a:rPr lang="en-US" dirty="0" err="1"/>
+              <a:t>TodaY</a:t>
+            </a:r>
+            <a:endParaRPr lang="en-US" dirty="0"/>
+          </a:p>
+        </p:txBody>
+      </p:sp>
+      <p:sp>
+        <p:nvSpPr>
+          <p:cNvPr id="3" name="Content Placeholder 2">
             <a:extLst>
               <a:ext uri="{FF2B5EF4-FFF2-40B4-BE49-F238E27FC236}">
-                <a16:creationId xmlns:a16="http://schemas.microsoft.com/office/drawing/2014/main" id="{60821CAA-4B4F-D440-B905-3C7847889528}"/>
+                <a16:creationId xmlns:a16="http://schemas.microsoft.com/office/drawing/2014/main" id="{99D4E685-DE6D-6041-ABCD-CA08DB06F4E7}"/>
               </a:ext>
             </a:extLst>
           </p:cNvPr>
@@ -3683,22 +3728,142 @@
             <a:spLocks noGrp="1"/>
           </p:cNvSpPr>
           <p:nvPr>
-            <p:ph type="subTitle" idx="1"/>
-          </p:nvPr>
-        </p:nvSpPr>
-        <p:spPr/>
-        <p:txBody>
-          <a:bodyPr/>
-          <a:lstStyle/>
-          <a:p>
-            <a:endParaRPr lang="en-US"/>
-          </a:p>
-        </p:txBody>
-      </p:sp>
+            <p:ph idx="1"/>
+          </p:nvPr>
+        </p:nvSpPr>
+        <p:spPr>
+          <a:xfrm>
+            <a:off x="766917" y="1853754"/>
+            <a:ext cx="11279310" cy="4298568"/>
+          </a:xfrm>
+        </p:spPr>
+        <p:txBody>
+          <a:bodyPr>
+            <a:normAutofit/>
+          </a:bodyPr>
+          <a:lstStyle/>
+          <a:p>
+            <a:r>
+              <a:rPr lang="en-US" dirty="0"/>
+              <a:t>Pipelines - Pipes, pipes, pipes, pipes, pipes, pipes, EVERYBODY!!!!!!!!!!!</a:t>
+            </a:r>
+          </a:p>
+          <a:p>
+            <a:pPr lvl="1"/>
+            <a:r>
+              <a:rPr lang="en-US" dirty="0"/>
+              <a:t>Sklearn transformers basics (framework/structure, not innards of existing ones). </a:t>
+            </a:r>
+          </a:p>
+          <a:p>
+            <a:pPr lvl="1"/>
+            <a:r>
+              <a:rPr lang="en-US" dirty="0"/>
+              <a:t>Using pipelines to transform data. </a:t>
+            </a:r>
+          </a:p>
+          <a:p>
+            <a:pPr lvl="1"/>
+            <a:r>
+              <a:rPr lang="en-US" dirty="0"/>
+              <a:t>Creating custom transformers for geospatial stuff.</a:t>
+            </a:r>
+          </a:p>
+          <a:p>
+            <a:r>
+              <a:rPr lang="en-US" dirty="0"/>
+              <a:t>I really need you to be able to comfortably use pipelines in different ways by ~mid Jan. </a:t>
+            </a:r>
+          </a:p>
+          <a:p>
+            <a:pPr lvl="1"/>
+            <a:r>
+              <a:rPr lang="en-US" dirty="0"/>
+              <a:t>We will use them almost every day, and you’ll be expected to mostly just do it. </a:t>
+            </a:r>
+          </a:p>
+          <a:p>
+            <a:pPr lvl="1"/>
+            <a:r>
+              <a:rPr lang="en-US" dirty="0"/>
+              <a:t>We’ll revisit this a bunch, but hopefully we’ll be able to pickup at column transformers next semester. </a:t>
+            </a:r>
+          </a:p>
+          <a:p>
+            <a:pPr lvl="2"/>
+            <a:r>
+              <a:rPr lang="en-US" dirty="0"/>
+              <a:t>Basically multipath pipelines. </a:t>
+            </a:r>
+          </a:p>
+          <a:p>
+            <a:pPr lvl="1"/>
+            <a:r>
+              <a:rPr lang="en-US" dirty="0"/>
+              <a:t>The steps we’ll use will get more numerous, complex, and annoying, but the core idea never changes. </a:t>
+            </a:r>
+          </a:p>
+          <a:p>
+            <a:r>
+              <a:rPr lang="en-US" dirty="0"/>
+              <a:t>There’s a test next week! Last one! Programming will be a multi-inheritance thing of some variety. </a:t>
+            </a:r>
+          </a:p>
+          <a:p>
+            <a:pPr lvl="1"/>
+            <a:endParaRPr lang="en-US" dirty="0"/>
+          </a:p>
+        </p:txBody>
+      </p:sp>
+      <p:pic>
+        <p:nvPicPr>
+          <p:cNvPr id="1026" name="Picture 2" descr="LMFAO feat Lil Jon - Shots (Official Music Video 2009 Lyrics) - YouTube">
+            <a:extLst>
+              <a:ext uri="{FF2B5EF4-FFF2-40B4-BE49-F238E27FC236}">
+                <a16:creationId xmlns:a16="http://schemas.microsoft.com/office/drawing/2014/main" id="{39E5B774-CE84-497E-08D4-3FFC4F5975E1}"/>
+              </a:ext>
+            </a:extLst>
+          </p:cNvPr>
+          <p:cNvPicPr>
+            <a:picLocks noChangeAspect="1" noChangeArrowheads="1"/>
+          </p:cNvPicPr>
+          <p:nvPr/>
+        </p:nvPicPr>
+        <p:blipFill rotWithShape="1">
+          <a:blip r:embed="rId2">
+            <a:extLst>
+              <a:ext uri="{28A0092B-C50C-407E-A947-70E740481C1C}">
+                <a14:useLocalDpi xmlns:a14="http://schemas.microsoft.com/office/drawing/2010/main" val="0"/>
+              </a:ext>
+            </a:extLst>
+          </a:blip>
+          <a:srcRect t="11757" b="12837"/>
+          <a:stretch/>
+        </p:blipFill>
+        <p:spPr bwMode="auto">
+          <a:xfrm>
+            <a:off x="8188411" y="0"/>
+            <a:ext cx="4003589" cy="2264192"/>
+          </a:xfrm>
+          <a:prstGeom prst="rect">
+            <a:avLst/>
+          </a:prstGeom>
+          <a:noFill/>
+          <a:extLst>
+            <a:ext uri="{909E8E84-426E-40DD-AFC4-6F175D3DCCD1}">
+              <a14:hiddenFill xmlns:a14="http://schemas.microsoft.com/office/drawing/2010/main">
+                <a:solidFill>
+                  <a:srgbClr val="FFFFFF"/>
+                </a:solidFill>
+              </a14:hiddenFill>
+            </a:ext>
+          </a:extLst>
+        </p:spPr>
+      </p:pic>
     </p:spTree>
     <p:extLst>
       <p:ext uri="{BB962C8B-B14F-4D97-AF65-F5344CB8AC3E}">
-        <p14:creationId xmlns:p14="http://schemas.microsoft.com/office/powerpoint/2010/main" val="3768099332"/>
+        <p14:creationId xmlns:p14="http://schemas.microsoft.com/office/powerpoint/2010/main" val="3974074074"/>
       </p:ext>
     </p:extLst>
   </p:cSld>
@@ -3730,7 +3895,7 @@
           <p:cNvPr id="2" name="Title 1">
             <a:extLst>
               <a:ext uri="{FF2B5EF4-FFF2-40B4-BE49-F238E27FC236}">
-                <a16:creationId xmlns:a16="http://schemas.microsoft.com/office/drawing/2014/main" id="{F09FFD0D-2B02-9B90-C1E8-B311A8F691B6}"/>
+                <a16:creationId xmlns:a16="http://schemas.microsoft.com/office/drawing/2014/main" id="{42341469-2B29-7B3B-B344-4ACD8214FB46}"/>
               </a:ext>
             </a:extLst>
           </p:cNvPr>
@@ -3748,7 +3913,7 @@
           <a:p>
             <a:r>
               <a:rPr lang="en-US" dirty="0"/>
-              <a:t>Transformers – They’re Robots in Disguise</a:t>
+              <a:t>Leaking out of the pipe</a:t>
             </a:r>
           </a:p>
         </p:txBody>
@@ -3758,7 +3923,7 @@
           <p:cNvPr id="3" name="Content Placeholder 2">
             <a:extLst>
               <a:ext uri="{FF2B5EF4-FFF2-40B4-BE49-F238E27FC236}">
-                <a16:creationId xmlns:a16="http://schemas.microsoft.com/office/drawing/2014/main" id="{230FD3C7-53F8-B5C7-B0B4-62CFB3DEEAA3}"/>
+                <a16:creationId xmlns:a16="http://schemas.microsoft.com/office/drawing/2014/main" id="{579CF08A-9444-4C40-A7A4-530535E87D2E}"/>
               </a:ext>
             </a:extLst>
           </p:cNvPr>
@@ -3771,8 +3936,8 @@
         </p:nvSpPr>
         <p:spPr>
           <a:xfrm>
-            <a:off x="1451579" y="1928191"/>
-            <a:ext cx="10077275" cy="4055165"/>
+            <a:off x="1451579" y="2015731"/>
+            <a:ext cx="9603275" cy="4037749"/>
           </a:xfrm>
         </p:spPr>
         <p:txBody>
@@ -3781,54 +3946,77 @@
           <a:p>
             <a:r>
               <a:rPr lang="en-US" dirty="0"/>
-              <a:t>Each step in a pipeline is done by an object called a transformer. </a:t>
-            </a:r>
-          </a:p>
-          <a:p>
-            <a:pPr lvl="1"/>
-            <a:r>
-              <a:rPr lang="en-US" dirty="0"/>
-              <a:t>There are several things in ML called transformers (like ChatGPT), they aren’t (generally) related. </a:t>
-            </a:r>
-          </a:p>
-          <a:p>
-            <a:r>
-              <a:rPr lang="en-US" dirty="0"/>
-              <a:t>Each transformer does one thing – a transformation on the data. </a:t>
-            </a:r>
-          </a:p>
-          <a:p>
-            <a:pPr lvl="1"/>
-            <a:r>
-              <a:rPr lang="en-US" dirty="0"/>
-              <a:t>Imputer – fill in missing values. </a:t>
-            </a:r>
-          </a:p>
-          <a:p>
-            <a:pPr lvl="1"/>
-            <a:r>
-              <a:rPr lang="en-US" dirty="0"/>
-              <a:t>Scaler – ensure all columns are on the same scale. </a:t>
-            </a:r>
-          </a:p>
-          <a:p>
-            <a:r>
-              <a:rPr lang="en-US" dirty="0"/>
-              <a:t>Each transformer produces an output of a set format from an input of a set format. </a:t>
-            </a:r>
-          </a:p>
-          <a:p>
-            <a:pPr lvl="1"/>
-            <a:r>
-              <a:rPr lang="en-US" dirty="0"/>
-              <a:t>Input – 2D datasheet (one value per column, consistent data types, one instance per row). </a:t>
-            </a:r>
-          </a:p>
-          <a:p>
-            <a:pPr lvl="1"/>
-            <a:r>
-              <a:rPr lang="en-US" dirty="0"/>
-              <a:t>Output – same same, but transformed. </a:t>
+              <a:t>The pipe is the thing we generally submit to the ML algorithm. </a:t>
+            </a:r>
+          </a:p>
+          <a:p>
+            <a:pPr lvl="1"/>
+            <a:r>
+              <a:rPr lang="en-US" dirty="0"/>
+              <a:t>The pipe returns the transformed data, so the pipe “becomes” our data. (Kind of). </a:t>
+            </a:r>
+          </a:p>
+          <a:p>
+            <a:pPr lvl="1"/>
+            <a:r>
+              <a:rPr lang="en-US" dirty="0"/>
+              <a:t>We don’t really look at the output much, it isn’t user friendly. </a:t>
+            </a:r>
+          </a:p>
+          <a:p>
+            <a:r>
+              <a:rPr lang="en-US" dirty="0"/>
+              <a:t>If we capture the output, we get an array. </a:t>
+            </a:r>
+          </a:p>
+          <a:p>
+            <a:pPr lvl="1"/>
+            <a:r>
+              <a:rPr lang="en-US" dirty="0"/>
+              <a:t>We can remake a </a:t>
+            </a:r>
+            <a:r>
+              <a:rPr lang="en-US" dirty="0" err="1"/>
+              <a:t>dataframe</a:t>
+            </a:r>
+            <a:r>
+              <a:rPr lang="en-US" dirty="0"/>
+              <a:t> from the data, the original columns are in </a:t>
+            </a:r>
+            <a:r>
+              <a:rPr lang="en-US" dirty="0" err="1"/>
+              <a:t>df.columns</a:t>
+            </a:r>
+            <a:r>
+              <a:rPr lang="en-US" dirty="0"/>
+              <a:t>. </a:t>
+            </a:r>
+          </a:p>
+          <a:p>
+            <a:r>
+              <a:rPr lang="en-US" dirty="0"/>
+              <a:t>Side Note: generally we end up with a wall of numbers, as ML models need numbers. </a:t>
+            </a:r>
+          </a:p>
+          <a:p>
+            <a:pPr lvl="1"/>
+            <a:r>
+              <a:rPr lang="en-US" dirty="0"/>
+              <a:t>We have to encode the categorical data at some point in the pipe. </a:t>
+            </a:r>
+          </a:p>
+          <a:p>
+            <a:r>
+              <a:rPr lang="en-US" dirty="0"/>
+              <a:t>Double Side Note: pipelines have just been improved in the last revision to work with </a:t>
+            </a:r>
+            <a:r>
+              <a:rPr lang="en-US" dirty="0" err="1"/>
+              <a:t>dataframes</a:t>
+            </a:r>
+            <a:r>
+              <a:rPr lang="en-US" dirty="0"/>
+              <a:t> more natively, so some of this might become easier right away. </a:t>
             </a:r>
           </a:p>
         </p:txBody>
@@ -3836,7 +4024,7 @@
     </p:spTree>
     <p:extLst>
       <p:ext uri="{BB962C8B-B14F-4D97-AF65-F5344CB8AC3E}">
-        <p14:creationId xmlns:p14="http://schemas.microsoft.com/office/powerpoint/2010/main" val="3075602398"/>
+        <p14:creationId xmlns:p14="http://schemas.microsoft.com/office/powerpoint/2010/main" val="51997045"/>
       </p:ext>
     </p:extLst>
   </p:cSld>
@@ -3868,7 +4056,7 @@
           <p:cNvPr id="2" name="Title 1">
             <a:extLst>
               <a:ext uri="{FF2B5EF4-FFF2-40B4-BE49-F238E27FC236}">
-                <a16:creationId xmlns:a16="http://schemas.microsoft.com/office/drawing/2014/main" id="{FAF31D25-685E-ADE0-187F-F7D603C59475}"/>
+                <a16:creationId xmlns:a16="http://schemas.microsoft.com/office/drawing/2014/main" id="{9F424E49-A12D-C960-456E-CD79E358ACEF}"/>
               </a:ext>
             </a:extLst>
           </p:cNvPr>
@@ -3886,7 +4074,7 @@
           <a:p>
             <a:r>
               <a:rPr lang="en-US" dirty="0"/>
-              <a:t>Transformer pieces</a:t>
+              <a:t>Pipeline Steps - Transformers</a:t>
             </a:r>
           </a:p>
         </p:txBody>
@@ -3896,7 +4084,7 @@
           <p:cNvPr id="3" name="Content Placeholder 2">
             <a:extLst>
               <a:ext uri="{FF2B5EF4-FFF2-40B4-BE49-F238E27FC236}">
-                <a16:creationId xmlns:a16="http://schemas.microsoft.com/office/drawing/2014/main" id="{B1A50D09-77EB-4883-B1DC-70533B6C00D6}"/>
+                <a16:creationId xmlns:a16="http://schemas.microsoft.com/office/drawing/2014/main" id="{455C43A6-0D3B-AD1D-CECE-026FC89E5A01}"/>
               </a:ext>
             </a:extLst>
           </p:cNvPr>
@@ -3907,115 +4095,64 @@
             <p:ph idx="1"/>
           </p:nvPr>
         </p:nvSpPr>
-        <p:spPr>
+        <p:spPr/>
+        <p:txBody>
+          <a:bodyPr/>
+          <a:lstStyle/>
+          <a:p>
+            <a:endParaRPr lang="en-US"/>
+          </a:p>
+        </p:txBody>
+      </p:sp>
+      <p:pic>
+        <p:nvPicPr>
+          <p:cNvPr id="3074" name="Picture 2" descr="Transformers One (2024) - IMDb">
+            <a:extLst>
+              <a:ext uri="{FF2B5EF4-FFF2-40B4-BE49-F238E27FC236}">
+                <a16:creationId xmlns:a16="http://schemas.microsoft.com/office/drawing/2014/main" id="{60261ED0-FB66-6B1A-C4D8-0D5B3C7821C6}"/>
+              </a:ext>
+            </a:extLst>
+          </p:cNvPr>
+          <p:cNvPicPr>
+            <a:picLocks noChangeAspect="1" noChangeArrowheads="1"/>
+          </p:cNvPicPr>
+          <p:nvPr/>
+        </p:nvPicPr>
+        <p:blipFill rotWithShape="1">
+          <a:blip r:embed="rId2">
+            <a:extLst>
+              <a:ext uri="{28A0092B-C50C-407E-A947-70E740481C1C}">
+                <a14:useLocalDpi xmlns:a14="http://schemas.microsoft.com/office/drawing/2010/main" val="0"/>
+              </a:ext>
+            </a:extLst>
+          </a:blip>
+          <a:srcRect t="4144" b="9910"/>
+          <a:stretch/>
+        </p:blipFill>
+        <p:spPr bwMode="auto">
           <a:xfrm>
-            <a:off x="1451579" y="1853753"/>
-            <a:ext cx="9779638" cy="4278689"/>
+            <a:off x="4108826" y="1450811"/>
+            <a:ext cx="3974348" cy="5407189"/>
           </a:xfrm>
+          <a:prstGeom prst="rect">
+            <a:avLst/>
+          </a:prstGeom>
+          <a:noFill/>
+          <a:extLst>
+            <a:ext uri="{909E8E84-426E-40DD-AFC4-6F175D3DCCD1}">
+              <a14:hiddenFill xmlns:a14="http://schemas.microsoft.com/office/drawing/2010/main">
+                <a:solidFill>
+                  <a:srgbClr val="FFFFFF"/>
+                </a:solidFill>
+              </a14:hiddenFill>
+            </a:ext>
+          </a:extLst>
         </p:spPr>
-        <p:txBody>
-          <a:bodyPr/>
-          <a:lstStyle/>
-          <a:p>
-            <a:r>
-              <a:rPr lang="en-US" dirty="0"/>
-              <a:t>Each transformer is an object that meets certain strict-but-open requirements:</a:t>
-            </a:r>
-          </a:p>
-          <a:p>
-            <a:pPr lvl="1"/>
-            <a:r>
-              <a:rPr lang="en-US" dirty="0"/>
-              <a:t>Transformers extend a couple of specific base classes (that we don’t really need to care about).</a:t>
-            </a:r>
-          </a:p>
-          <a:p>
-            <a:pPr lvl="1"/>
-            <a:r>
-              <a:rPr lang="en-US" dirty="0"/>
-              <a:t>Transformers have two specific classes that do the work – fit and transform (and </a:t>
-            </a:r>
-            <a:r>
-              <a:rPr lang="en-US" dirty="0" err="1"/>
-              <a:t>fit_transform</a:t>
-            </a:r>
-            <a:r>
-              <a:rPr lang="en-US" dirty="0"/>
-              <a:t>).</a:t>
-            </a:r>
-          </a:p>
-          <a:p>
-            <a:pPr lvl="1"/>
-            <a:r>
-              <a:rPr lang="en-US" dirty="0"/>
-              <a:t>Transformers can handle data that is in a 2D </a:t>
-            </a:r>
-            <a:r>
-              <a:rPr lang="en-US" dirty="0" err="1"/>
-              <a:t>iterable</a:t>
-            </a:r>
-            <a:r>
-              <a:rPr lang="en-US" dirty="0"/>
-              <a:t>. </a:t>
-            </a:r>
-          </a:p>
-          <a:p>
-            <a:r>
-              <a:rPr lang="en-US" dirty="0"/>
-              <a:t>The structure is strict – transformers must do those things or we get an error. </a:t>
-            </a:r>
-          </a:p>
-          <a:p>
-            <a:r>
-              <a:rPr lang="en-US" dirty="0"/>
-              <a:t>The details are open, we can do whatever exact thing we can imagine that fits this. </a:t>
-            </a:r>
-          </a:p>
-          <a:p>
-            <a:r>
-              <a:rPr lang="en-US" dirty="0"/>
-              <a:t>Stages – fit, transform, </a:t>
-            </a:r>
-            <a:r>
-              <a:rPr lang="en-US" dirty="0" err="1"/>
-              <a:t>fit_transform</a:t>
-            </a:r>
-            <a:r>
-              <a:rPr lang="en-US" dirty="0"/>
-              <a:t>:</a:t>
-            </a:r>
-          </a:p>
-          <a:p>
-            <a:pPr lvl="1"/>
-            <a:r>
-              <a:rPr lang="en-US" dirty="0"/>
-              <a:t>Fit – setup the transformation with whatever config is needed. E.g. determine scale for scaling. </a:t>
-            </a:r>
-          </a:p>
-          <a:p>
-            <a:pPr lvl="1"/>
-            <a:r>
-              <a:rPr lang="en-US" dirty="0"/>
-              <a:t>Transform – do the transformation and return the result. This is where the work is done. </a:t>
-            </a:r>
-          </a:p>
-          <a:p>
-            <a:pPr lvl="1"/>
-            <a:r>
-              <a:rPr lang="en-US" dirty="0" err="1"/>
-              <a:t>Fit_transform</a:t>
-            </a:r>
-            <a:r>
-              <a:rPr lang="en-US" dirty="0"/>
-              <a:t> – do both, in order.  We can all this without making it, it’s automatic. </a:t>
-            </a:r>
-          </a:p>
-        </p:txBody>
-      </p:sp>
+      </p:pic>
     </p:spTree>
     <p:extLst>
       <p:ext uri="{BB962C8B-B14F-4D97-AF65-F5344CB8AC3E}">
-        <p14:creationId xmlns:p14="http://schemas.microsoft.com/office/powerpoint/2010/main" val="4285590341"/>
+        <p14:creationId xmlns:p14="http://schemas.microsoft.com/office/powerpoint/2010/main" val="3488446944"/>
       </p:ext>
     </p:extLst>
   </p:cSld>
@@ -4047,7 +4184,7 @@
           <p:cNvPr id="2" name="Title 1">
             <a:extLst>
               <a:ext uri="{FF2B5EF4-FFF2-40B4-BE49-F238E27FC236}">
-                <a16:creationId xmlns:a16="http://schemas.microsoft.com/office/drawing/2014/main" id="{58DDA51D-216A-9A10-B152-DD0669C24564}"/>
+                <a16:creationId xmlns:a16="http://schemas.microsoft.com/office/drawing/2014/main" id="{F09FFD0D-2B02-9B90-C1E8-B311A8F691B6}"/>
               </a:ext>
             </a:extLst>
           </p:cNvPr>
@@ -4065,7 +4202,7 @@
           <a:p>
             <a:r>
               <a:rPr lang="en-US" dirty="0"/>
-              <a:t>Transformers</a:t>
+              <a:t>Transformers – They’re Robots in Disguise</a:t>
             </a:r>
           </a:p>
         </p:txBody>
@@ -4075,7 +4212,7 @@
           <p:cNvPr id="3" name="Content Placeholder 2">
             <a:extLst>
               <a:ext uri="{FF2B5EF4-FFF2-40B4-BE49-F238E27FC236}">
-                <a16:creationId xmlns:a16="http://schemas.microsoft.com/office/drawing/2014/main" id="{2AEC865E-3748-4F4C-BAC4-E022005CD599}"/>
+                <a16:creationId xmlns:a16="http://schemas.microsoft.com/office/drawing/2014/main" id="{230FD3C7-53F8-B5C7-B0B4-62CFB3DEEAA3}"/>
               </a:ext>
             </a:extLst>
           </p:cNvPr>
@@ -4086,47 +4223,66 @@
             <p:ph idx="1"/>
           </p:nvPr>
         </p:nvSpPr>
-        <p:spPr/>
-        <p:txBody>
-          <a:bodyPr/>
-          <a:lstStyle/>
-          <a:p>
-            <a:r>
-              <a:rPr lang="en-US" dirty="0"/>
-              <a:t>There are premade transformers for most common things. </a:t>
-            </a:r>
-          </a:p>
-          <a:p>
-            <a:pPr lvl="1"/>
-            <a:r>
-              <a:rPr lang="en-US" dirty="0"/>
-              <a:t>We can use them with an import, many are in sklearn somewhere. </a:t>
-            </a:r>
-          </a:p>
-          <a:p>
-            <a:r>
-              <a:rPr lang="en-US" dirty="0"/>
-              <a:t>Data prep things like impute, encode, scale have at least one existing option. </a:t>
-            </a:r>
-          </a:p>
-          <a:p>
-            <a:pPr lvl="1"/>
-            <a:r>
-              <a:rPr lang="en-US" dirty="0"/>
-              <a:t>In general, these are written to be fast, so they are better than handmade ones. </a:t>
-            </a:r>
-          </a:p>
-          <a:p>
-            <a:r>
-              <a:rPr lang="en-US" dirty="0"/>
-              <a:t>We can make a custom one if we have odd needs. </a:t>
-            </a:r>
-          </a:p>
-          <a:p>
-            <a:pPr lvl="1"/>
-            <a:r>
-              <a:rPr lang="en-US" dirty="0"/>
-              <a:t>The custom and prewritten parts are easy to weave together. </a:t>
+        <p:spPr>
+          <a:xfrm>
+            <a:off x="1451579" y="1928191"/>
+            <a:ext cx="10077275" cy="4055165"/>
+          </a:xfrm>
+        </p:spPr>
+        <p:txBody>
+          <a:bodyPr/>
+          <a:lstStyle/>
+          <a:p>
+            <a:r>
+              <a:rPr lang="en-US" dirty="0"/>
+              <a:t>Each step in a pipeline is done by an object called a transformer. </a:t>
+            </a:r>
+          </a:p>
+          <a:p>
+            <a:pPr lvl="1"/>
+            <a:r>
+              <a:rPr lang="en-US" dirty="0"/>
+              <a:t>There are several things in ML called transformers (like ChatGPT), they aren’t (generally) related. </a:t>
+            </a:r>
+          </a:p>
+          <a:p>
+            <a:r>
+              <a:rPr lang="en-US" dirty="0"/>
+              <a:t>Each transformer does one thing – a transformation on the data. </a:t>
+            </a:r>
+          </a:p>
+          <a:p>
+            <a:pPr lvl="1"/>
+            <a:r>
+              <a:rPr lang="en-US" dirty="0"/>
+              <a:t>Imputer – fill in missing values. </a:t>
+            </a:r>
+          </a:p>
+          <a:p>
+            <a:pPr lvl="1"/>
+            <a:r>
+              <a:rPr lang="en-US" dirty="0"/>
+              <a:t>Scaler – ensure all columns are on the same scale. </a:t>
+            </a:r>
+          </a:p>
+          <a:p>
+            <a:r>
+              <a:rPr lang="en-US" dirty="0"/>
+              <a:t>Each transformer produces an output of a set format from an input of a set format. </a:t>
+            </a:r>
+          </a:p>
+          <a:p>
+            <a:pPr lvl="1"/>
+            <a:r>
+              <a:rPr lang="en-US" dirty="0"/>
+              <a:t>Input – 2D datasheet (one value per column, consistent data types, one instance per row). </a:t>
+            </a:r>
+          </a:p>
+          <a:p>
+            <a:pPr lvl="1"/>
+            <a:r>
+              <a:rPr lang="en-US" dirty="0"/>
+              <a:t>Output – same same, but transformed. </a:t>
             </a:r>
           </a:p>
         </p:txBody>
@@ -4134,7 +4290,7 @@
     </p:spTree>
     <p:extLst>
       <p:ext uri="{BB962C8B-B14F-4D97-AF65-F5344CB8AC3E}">
-        <p14:creationId xmlns:p14="http://schemas.microsoft.com/office/powerpoint/2010/main" val="636415143"/>
+        <p14:creationId xmlns:p14="http://schemas.microsoft.com/office/powerpoint/2010/main" val="3075602398"/>
       </p:ext>
     </p:extLst>
   </p:cSld>
@@ -4166,6 +4322,304 @@
           <p:cNvPr id="2" name="Title 1">
             <a:extLst>
               <a:ext uri="{FF2B5EF4-FFF2-40B4-BE49-F238E27FC236}">
+                <a16:creationId xmlns:a16="http://schemas.microsoft.com/office/drawing/2014/main" id="{FAF31D25-685E-ADE0-187F-F7D603C59475}"/>
+              </a:ext>
+            </a:extLst>
+          </p:cNvPr>
+          <p:cNvSpPr>
+            <a:spLocks noGrp="1"/>
+          </p:cNvSpPr>
+          <p:nvPr>
+            <p:ph type="title"/>
+          </p:nvPr>
+        </p:nvSpPr>
+        <p:spPr/>
+        <p:txBody>
+          <a:bodyPr/>
+          <a:lstStyle/>
+          <a:p>
+            <a:r>
+              <a:rPr lang="en-US" dirty="0"/>
+              <a:t>Transformer pieces</a:t>
+            </a:r>
+          </a:p>
+        </p:txBody>
+      </p:sp>
+      <p:sp>
+        <p:nvSpPr>
+          <p:cNvPr id="3" name="Content Placeholder 2">
+            <a:extLst>
+              <a:ext uri="{FF2B5EF4-FFF2-40B4-BE49-F238E27FC236}">
+                <a16:creationId xmlns:a16="http://schemas.microsoft.com/office/drawing/2014/main" id="{B1A50D09-77EB-4883-B1DC-70533B6C00D6}"/>
+              </a:ext>
+            </a:extLst>
+          </p:cNvPr>
+          <p:cNvSpPr>
+            <a:spLocks noGrp="1"/>
+          </p:cNvSpPr>
+          <p:nvPr>
+            <p:ph idx="1"/>
+          </p:nvPr>
+        </p:nvSpPr>
+        <p:spPr>
+          <a:xfrm>
+            <a:off x="1451579" y="1853753"/>
+            <a:ext cx="9779638" cy="4278689"/>
+          </a:xfrm>
+        </p:spPr>
+        <p:txBody>
+          <a:bodyPr/>
+          <a:lstStyle/>
+          <a:p>
+            <a:r>
+              <a:rPr lang="en-US" dirty="0"/>
+              <a:t>Each transformer is an object that meets certain strict-but-open requirements:</a:t>
+            </a:r>
+          </a:p>
+          <a:p>
+            <a:pPr lvl="1"/>
+            <a:r>
+              <a:rPr lang="en-US" dirty="0"/>
+              <a:t>Transformers extend a couple of specific base classes (that we don’t really need to care about).</a:t>
+            </a:r>
+          </a:p>
+          <a:p>
+            <a:pPr lvl="1"/>
+            <a:r>
+              <a:rPr lang="en-US" dirty="0"/>
+              <a:t>Transformers have two specific classes that do the work – fit and transform (and </a:t>
+            </a:r>
+            <a:r>
+              <a:rPr lang="en-US" dirty="0" err="1"/>
+              <a:t>fit_transform</a:t>
+            </a:r>
+            <a:r>
+              <a:rPr lang="en-US" dirty="0"/>
+              <a:t>).</a:t>
+            </a:r>
+          </a:p>
+          <a:p>
+            <a:pPr lvl="1"/>
+            <a:r>
+              <a:rPr lang="en-US" dirty="0"/>
+              <a:t>Transformers can handle data that is in a 2D </a:t>
+            </a:r>
+            <a:r>
+              <a:rPr lang="en-US" dirty="0" err="1"/>
+              <a:t>iterable</a:t>
+            </a:r>
+            <a:r>
+              <a:rPr lang="en-US" dirty="0"/>
+              <a:t>. </a:t>
+            </a:r>
+          </a:p>
+          <a:p>
+            <a:r>
+              <a:rPr lang="en-US" dirty="0"/>
+              <a:t>The structure is strict – transformers must do those things or we get an error. </a:t>
+            </a:r>
+          </a:p>
+          <a:p>
+            <a:r>
+              <a:rPr lang="en-US" dirty="0"/>
+              <a:t>The details are open, we can do whatever exact thing we can imagine that fits this. </a:t>
+            </a:r>
+          </a:p>
+          <a:p>
+            <a:r>
+              <a:rPr lang="en-US" dirty="0"/>
+              <a:t>Stages – fit, transform, </a:t>
+            </a:r>
+            <a:r>
+              <a:rPr lang="en-US" dirty="0" err="1"/>
+              <a:t>fit_transform</a:t>
+            </a:r>
+            <a:r>
+              <a:rPr lang="en-US" dirty="0"/>
+              <a:t>:</a:t>
+            </a:r>
+          </a:p>
+          <a:p>
+            <a:pPr lvl="1"/>
+            <a:r>
+              <a:rPr lang="en-US" dirty="0"/>
+              <a:t>Fit – setup the transformation with whatever config is needed. E.g. determine scale for scaling. </a:t>
+            </a:r>
+          </a:p>
+          <a:p>
+            <a:pPr lvl="1"/>
+            <a:r>
+              <a:rPr lang="en-US" dirty="0"/>
+              <a:t>Transform – do the transformation and return the result. This is where the work is done. </a:t>
+            </a:r>
+          </a:p>
+          <a:p>
+            <a:pPr lvl="1"/>
+            <a:r>
+              <a:rPr lang="en-US" dirty="0" err="1"/>
+              <a:t>Fit_transform</a:t>
+            </a:r>
+            <a:r>
+              <a:rPr lang="en-US" dirty="0"/>
+              <a:t> – do both, in order.  We can all this without making it, it’s automatic. </a:t>
+            </a:r>
+          </a:p>
+        </p:txBody>
+      </p:sp>
+    </p:spTree>
+    <p:extLst>
+      <p:ext uri="{BB962C8B-B14F-4D97-AF65-F5344CB8AC3E}">
+        <p14:creationId xmlns:p14="http://schemas.microsoft.com/office/powerpoint/2010/main" val="4285590341"/>
+      </p:ext>
+    </p:extLst>
+  </p:cSld>
+  <p:clrMapOvr>
+    <a:masterClrMapping/>
+  </p:clrMapOvr>
+</p:sld>
+</file>
+
+<file path=ppt/slides/slide14.xml><?xml version="1.0" encoding="utf-8"?>
+<p:sld xmlns:a="http://schemas.openxmlformats.org/drawingml/2006/main" xmlns:r="http://schemas.openxmlformats.org/officeDocument/2006/relationships" xmlns:p="http://schemas.openxmlformats.org/presentationml/2006/main">
+  <p:cSld>
+    <p:spTree>
+      <p:nvGrpSpPr>
+        <p:cNvPr id="1" name=""/>
+        <p:cNvGrpSpPr/>
+        <p:nvPr/>
+      </p:nvGrpSpPr>
+      <p:grpSpPr>
+        <a:xfrm>
+          <a:off x="0" y="0"/>
+          <a:ext cx="0" cy="0"/>
+          <a:chOff x="0" y="0"/>
+          <a:chExt cx="0" cy="0"/>
+        </a:xfrm>
+      </p:grpSpPr>
+      <p:sp>
+        <p:nvSpPr>
+          <p:cNvPr id="2" name="Title 1">
+            <a:extLst>
+              <a:ext uri="{FF2B5EF4-FFF2-40B4-BE49-F238E27FC236}">
+                <a16:creationId xmlns:a16="http://schemas.microsoft.com/office/drawing/2014/main" id="{58DDA51D-216A-9A10-B152-DD0669C24564}"/>
+              </a:ext>
+            </a:extLst>
+          </p:cNvPr>
+          <p:cNvSpPr>
+            <a:spLocks noGrp="1"/>
+          </p:cNvSpPr>
+          <p:nvPr>
+            <p:ph type="title"/>
+          </p:nvPr>
+        </p:nvSpPr>
+        <p:spPr/>
+        <p:txBody>
+          <a:bodyPr/>
+          <a:lstStyle/>
+          <a:p>
+            <a:r>
+              <a:rPr lang="en-US" dirty="0"/>
+              <a:t>Transformers</a:t>
+            </a:r>
+          </a:p>
+        </p:txBody>
+      </p:sp>
+      <p:sp>
+        <p:nvSpPr>
+          <p:cNvPr id="3" name="Content Placeholder 2">
+            <a:extLst>
+              <a:ext uri="{FF2B5EF4-FFF2-40B4-BE49-F238E27FC236}">
+                <a16:creationId xmlns:a16="http://schemas.microsoft.com/office/drawing/2014/main" id="{2AEC865E-3748-4F4C-BAC4-E022005CD599}"/>
+              </a:ext>
+            </a:extLst>
+          </p:cNvPr>
+          <p:cNvSpPr>
+            <a:spLocks noGrp="1"/>
+          </p:cNvSpPr>
+          <p:nvPr>
+            <p:ph idx="1"/>
+          </p:nvPr>
+        </p:nvSpPr>
+        <p:spPr/>
+        <p:txBody>
+          <a:bodyPr/>
+          <a:lstStyle/>
+          <a:p>
+            <a:r>
+              <a:rPr lang="en-US" dirty="0"/>
+              <a:t>There are premade transformers for most common things. </a:t>
+            </a:r>
+          </a:p>
+          <a:p>
+            <a:pPr lvl="1"/>
+            <a:r>
+              <a:rPr lang="en-US" dirty="0"/>
+              <a:t>We can use them with an import, many are in sklearn somewhere. </a:t>
+            </a:r>
+          </a:p>
+          <a:p>
+            <a:r>
+              <a:rPr lang="en-US" dirty="0"/>
+              <a:t>Data prep things like impute, encode, scale have at least one existing option. </a:t>
+            </a:r>
+          </a:p>
+          <a:p>
+            <a:pPr lvl="1"/>
+            <a:r>
+              <a:rPr lang="en-US" dirty="0"/>
+              <a:t>In general, these are written to be fast, so they are better than handmade ones. </a:t>
+            </a:r>
+          </a:p>
+          <a:p>
+            <a:r>
+              <a:rPr lang="en-US" dirty="0"/>
+              <a:t>We can make a custom one if we have odd needs. </a:t>
+            </a:r>
+          </a:p>
+          <a:p>
+            <a:pPr lvl="1"/>
+            <a:r>
+              <a:rPr lang="en-US" dirty="0"/>
+              <a:t>The custom and prewritten parts are easy to weave together. </a:t>
+            </a:r>
+          </a:p>
+        </p:txBody>
+      </p:sp>
+    </p:spTree>
+    <p:extLst>
+      <p:ext uri="{BB962C8B-B14F-4D97-AF65-F5344CB8AC3E}">
+        <p14:creationId xmlns:p14="http://schemas.microsoft.com/office/powerpoint/2010/main" val="636415143"/>
+      </p:ext>
+    </p:extLst>
+  </p:cSld>
+  <p:clrMapOvr>
+    <a:masterClrMapping/>
+  </p:clrMapOvr>
+</p:sld>
+</file>
+
+<file path=ppt/slides/slide15.xml><?xml version="1.0" encoding="utf-8"?>
+<p:sld xmlns:a="http://schemas.openxmlformats.org/drawingml/2006/main" xmlns:r="http://schemas.openxmlformats.org/officeDocument/2006/relationships" xmlns:p="http://schemas.openxmlformats.org/presentationml/2006/main">
+  <p:cSld>
+    <p:spTree>
+      <p:nvGrpSpPr>
+        <p:cNvPr id="1" name=""/>
+        <p:cNvGrpSpPr/>
+        <p:nvPr/>
+      </p:nvGrpSpPr>
+      <p:grpSpPr>
+        <a:xfrm>
+          <a:off x="0" y="0"/>
+          <a:ext cx="0" cy="0"/>
+          <a:chOff x="0" y="0"/>
+          <a:chExt cx="0" cy="0"/>
+        </a:xfrm>
+      </p:grpSpPr>
+      <p:sp>
+        <p:nvSpPr>
+          <p:cNvPr id="2" name="Title 1">
+            <a:extLst>
+              <a:ext uri="{FF2B5EF4-FFF2-40B4-BE49-F238E27FC236}">
                 <a16:creationId xmlns:a16="http://schemas.microsoft.com/office/drawing/2014/main" id="{BB14340E-72A9-1C5F-A757-00DA7BEA0DE2}"/>
               </a:ext>
             </a:extLst>
@@ -4276,7 +4730,7 @@
 </p:sld>
 </file>
 
-<file path=ppt/slides/slide14.xml><?xml version="1.0" encoding="utf-8"?>
+<file path=ppt/slides/slide16.xml><?xml version="1.0" encoding="utf-8"?>
 <p:sld xmlns:a="http://schemas.openxmlformats.org/drawingml/2006/main" xmlns:r="http://schemas.openxmlformats.org/officeDocument/2006/relationships" xmlns:p="http://schemas.openxmlformats.org/presentationml/2006/main">
   <p:cSld>
     <p:spTree>
@@ -4406,7 +4860,7 @@
 </p:sld>
 </file>
 
-<file path=ppt/slides/slide15.xml><?xml version="1.0" encoding="utf-8"?>
+<file path=ppt/slides/slide17.xml><?xml version="1.0" encoding="utf-8"?>
 <p:sld xmlns:a="http://schemas.openxmlformats.org/drawingml/2006/main" xmlns:r="http://schemas.openxmlformats.org/officeDocument/2006/relationships" xmlns:p="http://schemas.openxmlformats.org/presentationml/2006/main">
   <p:cSld>
     <p:spTree>
@@ -4550,7 +5004,7 @@
 </p:sld>
 </file>
 
-<file path=ppt/slides/slide16.xml><?xml version="1.0" encoding="utf-8"?>
+<file path=ppt/slides/slide18.xml><?xml version="1.0" encoding="utf-8"?>
 <p:sld xmlns:a="http://schemas.openxmlformats.org/drawingml/2006/main" xmlns:r="http://schemas.openxmlformats.org/officeDocument/2006/relationships" xmlns:p="http://schemas.openxmlformats.org/presentationml/2006/main">
   <p:cSld>
     <p:bg>
@@ -5192,7 +5646,7 @@
 </p:sld>
 </file>
 
-<file path=ppt/slides/slide17.xml><?xml version="1.0" encoding="utf-8"?>
+<file path=ppt/slides/slide19.xml><?xml version="1.0" encoding="utf-8"?>
 <p:sld xmlns:a="http://schemas.openxmlformats.org/drawingml/2006/main" xmlns:r="http://schemas.openxmlformats.org/officeDocument/2006/relationships" xmlns:p="http://schemas.openxmlformats.org/presentationml/2006/main">
   <p:cSld>
     <p:spTree>
@@ -5214,7 +5668,7 @@
           <p:cNvPr id="2" name="Title 1">
             <a:extLst>
               <a:ext uri="{FF2B5EF4-FFF2-40B4-BE49-F238E27FC236}">
-                <a16:creationId xmlns:a16="http://schemas.microsoft.com/office/drawing/2014/main" id="{4D95F85D-5367-F09B-B61A-D393E23D9F10}"/>
+                <a16:creationId xmlns:a16="http://schemas.microsoft.com/office/drawing/2014/main" id="{A1307C4C-AFF8-BC08-750F-2B69ADD78F20}"/>
               </a:ext>
             </a:extLst>
           </p:cNvPr>
@@ -5232,7 +5686,7 @@
           <a:p>
             <a:r>
               <a:rPr lang="en-US" dirty="0"/>
-              <a:t>In real Life</a:t>
+              <a:t>Pipelines of Predictions</a:t>
             </a:r>
           </a:p>
         </p:txBody>
@@ -5242,7 +5696,7 @@
           <p:cNvPr id="3" name="Content Placeholder 2">
             <a:extLst>
               <a:ext uri="{FF2B5EF4-FFF2-40B4-BE49-F238E27FC236}">
-                <a16:creationId xmlns:a16="http://schemas.microsoft.com/office/drawing/2014/main" id="{500F376E-E661-EE1E-A1D7-C211C9ABA6DD}"/>
+                <a16:creationId xmlns:a16="http://schemas.microsoft.com/office/drawing/2014/main" id="{99967604-F389-AD1A-66FC-7A3863AB7B80}"/>
               </a:ext>
             </a:extLst>
           </p:cNvPr>
@@ -5255,79 +5709,50 @@
         </p:nvSpPr>
         <p:spPr>
           <a:xfrm>
-            <a:off x="1451579" y="1853754"/>
-            <a:ext cx="10296473" cy="4288629"/>
+            <a:off x="1451579" y="2015731"/>
+            <a:ext cx="9603275" cy="4037749"/>
           </a:xfrm>
         </p:spPr>
         <p:txBody>
-          <a:bodyPr>
-            <a:normAutofit fontScale="92500" lnSpcReduction="10000"/>
-          </a:bodyPr>
-          <a:lstStyle/>
-          <a:p>
-            <a:r>
-              <a:rPr lang="en-US" dirty="0"/>
-              <a:t>Sklearn pipelines, and the idea of a pipeline in general, are common. </a:t>
-            </a:r>
-          </a:p>
-          <a:p>
-            <a:pPr lvl="1"/>
-            <a:r>
-              <a:rPr lang="en-US" dirty="0"/>
-              <a:t>Pretty much anything moving data will have some kind of pipeline involved. </a:t>
-            </a:r>
-          </a:p>
-          <a:p>
-            <a:r>
-              <a:rPr lang="en-US" dirty="0"/>
-              <a:t>Pipelines can allow us to define a process rather than directly clean data. </a:t>
-            </a:r>
-          </a:p>
-          <a:p>
-            <a:pPr lvl="1"/>
-            <a:r>
-              <a:rPr lang="en-US" dirty="0"/>
-              <a:t>The pipeline automatically deals with any data as it comes into the system. </a:t>
-            </a:r>
-          </a:p>
-          <a:p>
-            <a:r>
-              <a:rPr lang="en-US" dirty="0"/>
-              <a:t>In real life scenarios:</a:t>
-            </a:r>
-          </a:p>
-          <a:p>
-            <a:pPr lvl="1"/>
-            <a:r>
-              <a:rPr lang="en-US" dirty="0"/>
-              <a:t>Data is processed in model creation and the pipeline is defined. </a:t>
-            </a:r>
-          </a:p>
-          <a:p>
-            <a:pPr lvl="1"/>
-            <a:r>
-              <a:rPr lang="en-US" dirty="0"/>
-              <a:t>As new data comes in to be predicted, the data goes through the same pipe. </a:t>
-            </a:r>
-          </a:p>
-          <a:p>
-            <a:pPr lvl="1"/>
-            <a:r>
-              <a:rPr lang="en-US" dirty="0"/>
-              <a:t>If data is ‘harder’ our pipes become smarter – we can have pipelines that can do much more to data if needed. If we are scraping data or something, the cleanup might be intense. </a:t>
-            </a:r>
-          </a:p>
-          <a:p>
-            <a:r>
-              <a:rPr lang="en-US" dirty="0"/>
-              <a:t>If this stuff, and the equivalent database ETL stuff gets you going, consider data engineering. </a:t>
-            </a:r>
-          </a:p>
-          <a:p>
-            <a:pPr lvl="1"/>
-            <a:r>
-              <a:rPr lang="en-US" dirty="0"/>
-              <a:t>This general area is huge, exists in most big companies, is often mystic, and likely more LLM resistant. </a:t>
+          <a:bodyPr/>
+          <a:lstStyle/>
+          <a:p>
+            <a:r>
+              <a:rPr lang="en-US" dirty="0"/>
+              <a:t>Another feature of using a pipeline is to ensure that new data is processed correctly. </a:t>
+            </a:r>
+          </a:p>
+          <a:p>
+            <a:r>
+              <a:rPr lang="en-US" dirty="0"/>
+              <a:t>If we scale, encode, transform training data we also must do data we’re predicting. </a:t>
+            </a:r>
+          </a:p>
+          <a:p>
+            <a:pPr lvl="1"/>
+            <a:r>
+              <a:rPr lang="en-US" dirty="0"/>
+              <a:t>E.g. if we calculate a credit score and use that as a feature to a model to approve a loan, new loan applications need that same credit score as a feature to enter to that model. </a:t>
+            </a:r>
+          </a:p>
+          <a:p>
+            <a:r>
+              <a:rPr lang="en-US" dirty="0"/>
+              <a:t>If we make the processing in a pipeline, we can just put new data through it too. </a:t>
+            </a:r>
+          </a:p>
+          <a:p>
+            <a:pPr lvl="1"/>
+            <a:r>
+              <a:rPr lang="en-US" dirty="0"/>
+              <a:t>There’s no possibility of skew/error from mis-preparing data. </a:t>
+            </a:r>
+          </a:p>
+          <a:p>
+            <a:pPr lvl="1"/>
+            <a:r>
+              <a:rPr lang="en-US" dirty="0"/>
+              <a:t>If we did it by hand, we’re way more likely to make a mistake – there’s lots of details. </a:t>
             </a:r>
           </a:p>
         </p:txBody>
@@ -5335,167 +5760,7 @@
     </p:spTree>
     <p:extLst>
       <p:ext uri="{BB962C8B-B14F-4D97-AF65-F5344CB8AC3E}">
-        <p14:creationId xmlns:p14="http://schemas.microsoft.com/office/powerpoint/2010/main" val="243651575"/>
-      </p:ext>
-    </p:extLst>
-  </p:cSld>
-  <p:clrMapOvr>
-    <a:masterClrMapping/>
-  </p:clrMapOvr>
-</p:sld>
-</file>
-
-<file path=ppt/slides/slide18.xml><?xml version="1.0" encoding="utf-8"?>
-<p:sld xmlns:a="http://schemas.openxmlformats.org/drawingml/2006/main" xmlns:r="http://schemas.openxmlformats.org/officeDocument/2006/relationships" xmlns:p="http://schemas.openxmlformats.org/presentationml/2006/main">
-  <p:cSld>
-    <p:spTree>
-      <p:nvGrpSpPr>
-        <p:cNvPr id="1" name=""/>
-        <p:cNvGrpSpPr/>
-        <p:nvPr/>
-      </p:nvGrpSpPr>
-      <p:grpSpPr>
-        <a:xfrm>
-          <a:off x="0" y="0"/>
-          <a:ext cx="0" cy="0"/>
-          <a:chOff x="0" y="0"/>
-          <a:chExt cx="0" cy="0"/>
-        </a:xfrm>
-      </p:grpSpPr>
-      <p:sp>
-        <p:nvSpPr>
-          <p:cNvPr id="2" name="Title 1">
-            <a:extLst>
-              <a:ext uri="{FF2B5EF4-FFF2-40B4-BE49-F238E27FC236}">
-                <a16:creationId xmlns:a16="http://schemas.microsoft.com/office/drawing/2014/main" id="{17FA763B-7FAA-164D-CC47-3593FB3AA149}"/>
-              </a:ext>
-            </a:extLst>
-          </p:cNvPr>
-          <p:cNvSpPr>
-            <a:spLocks noGrp="1"/>
-          </p:cNvSpPr>
-          <p:nvPr>
-            <p:ph type="title"/>
-          </p:nvPr>
-        </p:nvSpPr>
-        <p:spPr/>
-        <p:txBody>
-          <a:bodyPr/>
-          <a:lstStyle/>
-          <a:p>
-            <a:r>
-              <a:rPr lang="en-US" dirty="0"/>
-              <a:t>Conclusion</a:t>
-            </a:r>
-          </a:p>
-        </p:txBody>
-      </p:sp>
-      <p:sp>
-        <p:nvSpPr>
-          <p:cNvPr id="3" name="Content Placeholder 2">
-            <a:extLst>
-              <a:ext uri="{FF2B5EF4-FFF2-40B4-BE49-F238E27FC236}">
-                <a16:creationId xmlns:a16="http://schemas.microsoft.com/office/drawing/2014/main" id="{041A8B51-314D-6C27-DDC3-7CB48A3FD691}"/>
-              </a:ext>
-            </a:extLst>
-          </p:cNvPr>
-          <p:cNvSpPr>
-            <a:spLocks noGrp="1"/>
-          </p:cNvSpPr>
-          <p:nvPr>
-            <p:ph idx="1"/>
-          </p:nvPr>
-        </p:nvSpPr>
-        <p:spPr>
-          <a:xfrm>
-            <a:off x="1451579" y="1853754"/>
-            <a:ext cx="10256717" cy="4199727"/>
-          </a:xfrm>
-        </p:spPr>
-        <p:txBody>
-          <a:bodyPr/>
-          <a:lstStyle/>
-          <a:p>
-            <a:r>
-              <a:rPr lang="en-US" dirty="0"/>
-              <a:t>Pipelines and transformers are our new best friends. </a:t>
-            </a:r>
-          </a:p>
-          <a:p>
-            <a:r>
-              <a:rPr lang="en-US" dirty="0"/>
-              <a:t>Most (smaller) data is managed through pipelines like this. </a:t>
-            </a:r>
-          </a:p>
-          <a:p>
-            <a:pPr lvl="1"/>
-            <a:r>
-              <a:rPr lang="en-US" dirty="0"/>
-              <a:t>The sklearn pipeline is fairly standardized, so we can get transformers, examples, extensions, </a:t>
-            </a:r>
-            <a:r>
-              <a:rPr lang="en-US" dirty="0" err="1"/>
-              <a:t>etc</a:t>
-            </a:r>
-            <a:r>
-              <a:rPr lang="en-US" dirty="0"/>
-              <a:t>…</a:t>
-            </a:r>
-          </a:p>
-          <a:p>
-            <a:pPr lvl="1"/>
-            <a:r>
-              <a:rPr lang="en-US" dirty="0"/>
-              <a:t>Different pipeline steps and tools can be strung together infinitely. </a:t>
-            </a:r>
-          </a:p>
-          <a:p>
-            <a:r>
-              <a:rPr lang="en-US" dirty="0"/>
-              <a:t>Get comfortable – pipes are pretty simple, but we use them constantly.</a:t>
-            </a:r>
-          </a:p>
-          <a:p>
-            <a:pPr lvl="1"/>
-            <a:r>
-              <a:rPr lang="en-US" dirty="0"/>
-              <a:t>Start reading the sklearn docs for pipelines – the docs are good and we refer to them a lot.  </a:t>
-            </a:r>
-          </a:p>
-          <a:p>
-            <a:r>
-              <a:rPr lang="en-US" dirty="0"/>
-              <a:t>If you feel this is easy:</a:t>
-            </a:r>
-          </a:p>
-          <a:p>
-            <a:pPr lvl="1"/>
-            <a:r>
-              <a:rPr lang="en-US" dirty="0"/>
-              <a:t>Take the titanic data, but don’t separate the categorical and numerical parts. </a:t>
-            </a:r>
-          </a:p>
-          <a:p>
-            <a:pPr lvl="1"/>
-            <a:r>
-              <a:rPr lang="en-US" dirty="0"/>
-              <a:t>Look up </a:t>
-            </a:r>
-            <a:r>
-              <a:rPr lang="en-US" dirty="0" err="1"/>
-              <a:t>columntransformer</a:t>
-            </a:r>
-            <a:r>
-              <a:rPr lang="en-US" dirty="0"/>
-              <a:t> and try to implement one to deal with that data. </a:t>
-            </a:r>
-          </a:p>
-        </p:txBody>
-      </p:sp>
-    </p:spTree>
-    <p:extLst>
-      <p:ext uri="{BB962C8B-B14F-4D97-AF65-F5344CB8AC3E}">
-        <p14:creationId xmlns:p14="http://schemas.microsoft.com/office/powerpoint/2010/main" val="1451638903"/>
+        <p14:creationId xmlns:p14="http://schemas.microsoft.com/office/powerpoint/2010/main" val="3279110137"/>
       </p:ext>
     </p:extLst>
   </p:cSld>
@@ -5527,7 +5792,7 @@
           <p:cNvPr id="2" name="Title 1">
             <a:extLst>
               <a:ext uri="{FF2B5EF4-FFF2-40B4-BE49-F238E27FC236}">
-                <a16:creationId xmlns:a16="http://schemas.microsoft.com/office/drawing/2014/main" id="{5A89AC1B-2260-4547-BC3A-FF4DA0EC77D6}"/>
+                <a16:creationId xmlns:a16="http://schemas.microsoft.com/office/drawing/2014/main" id="{FC9EDFE7-1B4B-FB42-87D7-F86F9DFF7450}"/>
               </a:ext>
             </a:extLst>
           </p:cNvPr>
@@ -5535,6 +5800,89 @@
             <a:spLocks noGrp="1"/>
           </p:cNvSpPr>
           <p:nvPr>
+            <p:ph type="ctrTitle"/>
+          </p:nvPr>
+        </p:nvSpPr>
+        <p:spPr/>
+        <p:txBody>
+          <a:bodyPr/>
+          <a:lstStyle/>
+          <a:p>
+            <a:r>
+              <a:rPr lang="en-US" dirty="0"/>
+              <a:t>Pipelines</a:t>
+            </a:r>
+          </a:p>
+        </p:txBody>
+      </p:sp>
+      <p:sp>
+        <p:nvSpPr>
+          <p:cNvPr id="3" name="Subtitle 2">
+            <a:extLst>
+              <a:ext uri="{FF2B5EF4-FFF2-40B4-BE49-F238E27FC236}">
+                <a16:creationId xmlns:a16="http://schemas.microsoft.com/office/drawing/2014/main" id="{60821CAA-4B4F-D440-B905-3C7847889528}"/>
+              </a:ext>
+            </a:extLst>
+          </p:cNvPr>
+          <p:cNvSpPr>
+            <a:spLocks noGrp="1"/>
+          </p:cNvSpPr>
+          <p:nvPr>
+            <p:ph type="subTitle" idx="1"/>
+          </p:nvPr>
+        </p:nvSpPr>
+        <p:spPr/>
+        <p:txBody>
+          <a:bodyPr/>
+          <a:lstStyle/>
+          <a:p>
+            <a:endParaRPr lang="en-US"/>
+          </a:p>
+        </p:txBody>
+      </p:sp>
+    </p:spTree>
+    <p:extLst>
+      <p:ext uri="{BB962C8B-B14F-4D97-AF65-F5344CB8AC3E}">
+        <p14:creationId xmlns:p14="http://schemas.microsoft.com/office/powerpoint/2010/main" val="3768099332"/>
+      </p:ext>
+    </p:extLst>
+  </p:cSld>
+  <p:clrMapOvr>
+    <a:masterClrMapping/>
+  </p:clrMapOvr>
+</p:sld>
+</file>
+
+<file path=ppt/slides/slide20.xml><?xml version="1.0" encoding="utf-8"?>
+<p:sld xmlns:a="http://schemas.openxmlformats.org/drawingml/2006/main" xmlns:r="http://schemas.openxmlformats.org/officeDocument/2006/relationships" xmlns:p="http://schemas.openxmlformats.org/presentationml/2006/main">
+  <p:cSld>
+    <p:spTree>
+      <p:nvGrpSpPr>
+        <p:cNvPr id="1" name=""/>
+        <p:cNvGrpSpPr/>
+        <p:nvPr/>
+      </p:nvGrpSpPr>
+      <p:grpSpPr>
+        <a:xfrm>
+          <a:off x="0" y="0"/>
+          <a:ext cx="0" cy="0"/>
+          <a:chOff x="0" y="0"/>
+          <a:chExt cx="0" cy="0"/>
+        </a:xfrm>
+      </p:grpSpPr>
+      <p:sp>
+        <p:nvSpPr>
+          <p:cNvPr id="2" name="Title 1">
+            <a:extLst>
+              <a:ext uri="{FF2B5EF4-FFF2-40B4-BE49-F238E27FC236}">
+                <a16:creationId xmlns:a16="http://schemas.microsoft.com/office/drawing/2014/main" id="{4D95F85D-5367-F09B-B61A-D393E23D9F10}"/>
+              </a:ext>
+            </a:extLst>
+          </p:cNvPr>
+          <p:cNvSpPr>
+            <a:spLocks noGrp="1"/>
+          </p:cNvSpPr>
+          <p:nvPr>
             <p:ph type="title"/>
           </p:nvPr>
         </p:nvSpPr>
@@ -5544,10 +5892,9 @@
           <a:lstStyle/>
           <a:p>
             <a:r>
-              <a:rPr lang="en-US" dirty="0" err="1"/>
-              <a:t>TodaY</a:t>
-            </a:r>
-            <a:endParaRPr lang="en-US" dirty="0"/>
+              <a:rPr lang="en-US" dirty="0"/>
+              <a:t>In real Life</a:t>
+            </a:r>
           </a:p>
         </p:txBody>
       </p:sp>
@@ -5556,7 +5903,7 @@
           <p:cNvPr id="3" name="Content Placeholder 2">
             <a:extLst>
               <a:ext uri="{FF2B5EF4-FFF2-40B4-BE49-F238E27FC236}">
-                <a16:creationId xmlns:a16="http://schemas.microsoft.com/office/drawing/2014/main" id="{99D4E685-DE6D-6041-ABCD-CA08DB06F4E7}"/>
+                <a16:creationId xmlns:a16="http://schemas.microsoft.com/office/drawing/2014/main" id="{500F376E-E661-EE1E-A1D7-C211C9ABA6DD}"/>
               </a:ext>
             </a:extLst>
           </p:cNvPr>
@@ -5570,137 +5917,246 @@
         <p:spPr>
           <a:xfrm>
             <a:off x="1451579" y="1853754"/>
-            <a:ext cx="10594647" cy="4298568"/>
+            <a:ext cx="10296473" cy="4288629"/>
           </a:xfrm>
         </p:spPr>
         <p:txBody>
           <a:bodyPr>
-            <a:normAutofit/>
+            <a:normAutofit fontScale="92500" lnSpcReduction="10000"/>
           </a:bodyPr>
           <a:lstStyle/>
           <a:p>
             <a:r>
               <a:rPr lang="en-US" dirty="0"/>
-              <a:t>Pipelines</a:t>
-            </a:r>
-          </a:p>
-          <a:p>
-            <a:pPr lvl="1"/>
-            <a:r>
-              <a:rPr lang="en-US" dirty="0"/>
-              <a:t>Pipes, pipes, pipes, pipes, pipes, pipes, EVERYBODY!!!!!!!!!!!</a:t>
-            </a:r>
-          </a:p>
-          <a:p>
-            <a:pPr lvl="1"/>
-            <a:r>
-              <a:rPr lang="en-US" dirty="0"/>
-              <a:t>Sklearn transformers basics (framework/structure, not innards of existing ones). </a:t>
-            </a:r>
-          </a:p>
-          <a:p>
-            <a:pPr lvl="1"/>
-            <a:r>
-              <a:rPr lang="en-US" dirty="0"/>
-              <a:t>Using pipelines to transform data. </a:t>
-            </a:r>
-          </a:p>
-          <a:p>
-            <a:pPr lvl="1"/>
-            <a:r>
-              <a:rPr lang="en-US" dirty="0"/>
-              <a:t>Creating custom transformers for geospatial stuff.</a:t>
-            </a:r>
-          </a:p>
-          <a:p>
-            <a:r>
-              <a:rPr lang="en-US" dirty="0"/>
-              <a:t>I really need you to be able to comfortably use pipelines in different ways by ~mid Jan. </a:t>
-            </a:r>
-          </a:p>
-          <a:p>
-            <a:pPr lvl="1"/>
-            <a:r>
-              <a:rPr lang="en-US" dirty="0"/>
-              <a:t>We will use them almost every day, and you’ll be expected to mostly just do it. </a:t>
-            </a:r>
-          </a:p>
-          <a:p>
-            <a:pPr lvl="1"/>
-            <a:r>
-              <a:rPr lang="en-US" dirty="0"/>
-              <a:t>We’ll revisit this a bunch, but hopefully we’ll be able to pickup at column transformers next semester. </a:t>
-            </a:r>
-          </a:p>
-          <a:p>
-            <a:pPr lvl="2"/>
-            <a:r>
-              <a:rPr lang="en-US" dirty="0"/>
-              <a:t>Basically multipath pipelines. </a:t>
-            </a:r>
-          </a:p>
-          <a:p>
-            <a:pPr lvl="1"/>
-            <a:r>
-              <a:rPr lang="en-US" dirty="0"/>
-              <a:t>The steps we’ll use will get more numerous, complex, and annoying, but the core idea never changes. </a:t>
-            </a:r>
-          </a:p>
-          <a:p>
-            <a:pPr lvl="1"/>
-            <a:endParaRPr lang="en-US" dirty="0"/>
-          </a:p>
-        </p:txBody>
-      </p:sp>
-      <p:pic>
-        <p:nvPicPr>
-          <p:cNvPr id="1026" name="Picture 2" descr="LMFAO feat Lil Jon - Shots (Official Music Video 2009 Lyrics) - YouTube">
+              <a:t>Sklearn pipelines, and the idea of a pipeline in general, are common. </a:t>
+            </a:r>
+          </a:p>
+          <a:p>
+            <a:pPr lvl="1"/>
+            <a:r>
+              <a:rPr lang="en-US" dirty="0"/>
+              <a:t>Pretty much anything moving data will have some kind of pipeline involved. </a:t>
+            </a:r>
+          </a:p>
+          <a:p>
+            <a:r>
+              <a:rPr lang="en-US" dirty="0"/>
+              <a:t>Pipelines can allow us to define a process rather than directly clean data. </a:t>
+            </a:r>
+          </a:p>
+          <a:p>
+            <a:pPr lvl="1"/>
+            <a:r>
+              <a:rPr lang="en-US" dirty="0"/>
+              <a:t>The pipeline automatically deals with any data as it comes into the system. </a:t>
+            </a:r>
+          </a:p>
+          <a:p>
+            <a:r>
+              <a:rPr lang="en-US" dirty="0"/>
+              <a:t>In real life scenarios:</a:t>
+            </a:r>
+          </a:p>
+          <a:p>
+            <a:pPr lvl="1"/>
+            <a:r>
+              <a:rPr lang="en-US" dirty="0"/>
+              <a:t>Data is processed in model creation and the pipeline is defined. </a:t>
+            </a:r>
+          </a:p>
+          <a:p>
+            <a:pPr lvl="1"/>
+            <a:r>
+              <a:rPr lang="en-US" dirty="0"/>
+              <a:t>As new data comes in to be predicted, the data goes through the same pipe. </a:t>
+            </a:r>
+          </a:p>
+          <a:p>
+            <a:pPr lvl="1"/>
+            <a:r>
+              <a:rPr lang="en-US" dirty="0"/>
+              <a:t>If data is ‘harder’ our pipes become smarter – we can have pipelines that can do much more to data if needed. If we are scraping data or something, the cleanup might be intense. </a:t>
+            </a:r>
+          </a:p>
+          <a:p>
+            <a:r>
+              <a:rPr lang="en-US" dirty="0"/>
+              <a:t>If this stuff, and the equivalent database ETL stuff gets you going, consider data engineering. </a:t>
+            </a:r>
+          </a:p>
+          <a:p>
+            <a:pPr lvl="1"/>
+            <a:r>
+              <a:rPr lang="en-US" dirty="0"/>
+              <a:t>This general area is huge, exists in most big companies, is often mystic, and likely more LLM resistant. </a:t>
+            </a:r>
+          </a:p>
+        </p:txBody>
+      </p:sp>
+    </p:spTree>
+    <p:extLst>
+      <p:ext uri="{BB962C8B-B14F-4D97-AF65-F5344CB8AC3E}">
+        <p14:creationId xmlns:p14="http://schemas.microsoft.com/office/powerpoint/2010/main" val="243651575"/>
+      </p:ext>
+    </p:extLst>
+  </p:cSld>
+  <p:clrMapOvr>
+    <a:masterClrMapping/>
+  </p:clrMapOvr>
+</p:sld>
+</file>
+
+<file path=ppt/slides/slide21.xml><?xml version="1.0" encoding="utf-8"?>
+<p:sld xmlns:a="http://schemas.openxmlformats.org/drawingml/2006/main" xmlns:r="http://schemas.openxmlformats.org/officeDocument/2006/relationships" xmlns:p="http://schemas.openxmlformats.org/presentationml/2006/main">
+  <p:cSld>
+    <p:spTree>
+      <p:nvGrpSpPr>
+        <p:cNvPr id="1" name=""/>
+        <p:cNvGrpSpPr/>
+        <p:nvPr/>
+      </p:nvGrpSpPr>
+      <p:grpSpPr>
+        <a:xfrm>
+          <a:off x="0" y="0"/>
+          <a:ext cx="0" cy="0"/>
+          <a:chOff x="0" y="0"/>
+          <a:chExt cx="0" cy="0"/>
+        </a:xfrm>
+      </p:grpSpPr>
+      <p:sp>
+        <p:nvSpPr>
+          <p:cNvPr id="2" name="Title 1">
             <a:extLst>
               <a:ext uri="{FF2B5EF4-FFF2-40B4-BE49-F238E27FC236}">
-                <a16:creationId xmlns:a16="http://schemas.microsoft.com/office/drawing/2014/main" id="{39E5B774-CE84-497E-08D4-3FFC4F5975E1}"/>
+                <a16:creationId xmlns:a16="http://schemas.microsoft.com/office/drawing/2014/main" id="{17FA763B-7FAA-164D-CC47-3593FB3AA149}"/>
               </a:ext>
             </a:extLst>
           </p:cNvPr>
-          <p:cNvPicPr>
-            <a:picLocks noChangeAspect="1" noChangeArrowheads="1"/>
-          </p:cNvPicPr>
-          <p:nvPr/>
-        </p:nvPicPr>
-        <p:blipFill rotWithShape="1">
-          <a:blip r:embed="rId2">
+          <p:cNvSpPr>
+            <a:spLocks noGrp="1"/>
+          </p:cNvSpPr>
+          <p:nvPr>
+            <p:ph type="title"/>
+          </p:nvPr>
+        </p:nvSpPr>
+        <p:spPr/>
+        <p:txBody>
+          <a:bodyPr/>
+          <a:lstStyle/>
+          <a:p>
+            <a:r>
+              <a:rPr lang="en-US" dirty="0"/>
+              <a:t>Conclusion</a:t>
+            </a:r>
+          </a:p>
+        </p:txBody>
+      </p:sp>
+      <p:sp>
+        <p:nvSpPr>
+          <p:cNvPr id="3" name="Content Placeholder 2">
             <a:extLst>
-              <a:ext uri="{28A0092B-C50C-407E-A947-70E740481C1C}">
-                <a14:useLocalDpi xmlns:a14="http://schemas.microsoft.com/office/drawing/2010/main" val="0"/>
+              <a:ext uri="{FF2B5EF4-FFF2-40B4-BE49-F238E27FC236}">
+                <a16:creationId xmlns:a16="http://schemas.microsoft.com/office/drawing/2014/main" id="{041A8B51-314D-6C27-DDC3-7CB48A3FD691}"/>
               </a:ext>
             </a:extLst>
-          </a:blip>
-          <a:srcRect t="11757" b="12837"/>
-          <a:stretch/>
-        </p:blipFill>
-        <p:spPr bwMode="auto">
+          </p:cNvPr>
+          <p:cNvSpPr>
+            <a:spLocks noGrp="1"/>
+          </p:cNvSpPr>
+          <p:nvPr>
+            <p:ph idx="1"/>
+          </p:nvPr>
+        </p:nvSpPr>
+        <p:spPr>
           <a:xfrm>
-            <a:off x="8188411" y="0"/>
-            <a:ext cx="4003589" cy="2264192"/>
+            <a:off x="1451579" y="1853754"/>
+            <a:ext cx="10256717" cy="4199727"/>
           </a:xfrm>
-          <a:prstGeom prst="rect">
-            <a:avLst/>
-          </a:prstGeom>
-          <a:noFill/>
-          <a:extLst>
-            <a:ext uri="{909E8E84-426E-40DD-AFC4-6F175D3DCCD1}">
-              <a14:hiddenFill xmlns:a14="http://schemas.microsoft.com/office/drawing/2010/main">
-                <a:solidFill>
-                  <a:srgbClr val="FFFFFF"/>
-                </a:solidFill>
-              </a14:hiddenFill>
-            </a:ext>
-          </a:extLst>
         </p:spPr>
-      </p:pic>
+        <p:txBody>
+          <a:bodyPr/>
+          <a:lstStyle/>
+          <a:p>
+            <a:r>
+              <a:rPr lang="en-US" dirty="0"/>
+              <a:t>Pipelines and transformers are our new best friends. </a:t>
+            </a:r>
+          </a:p>
+          <a:p>
+            <a:r>
+              <a:rPr lang="en-US" dirty="0"/>
+              <a:t>Most (smaller) data is managed through pipelines like this. </a:t>
+            </a:r>
+          </a:p>
+          <a:p>
+            <a:pPr lvl="1"/>
+            <a:r>
+              <a:rPr lang="en-US" dirty="0"/>
+              <a:t>The sklearn pipeline is fairly standardized, so we can get transformers, examples, extensions, </a:t>
+            </a:r>
+            <a:r>
+              <a:rPr lang="en-US" dirty="0" err="1"/>
+              <a:t>etc</a:t>
+            </a:r>
+            <a:r>
+              <a:rPr lang="en-US" dirty="0"/>
+              <a:t>…</a:t>
+            </a:r>
+          </a:p>
+          <a:p>
+            <a:pPr lvl="1"/>
+            <a:r>
+              <a:rPr lang="en-US" dirty="0"/>
+              <a:t>Different pipeline steps and tools can be strung together infinitely. </a:t>
+            </a:r>
+          </a:p>
+          <a:p>
+            <a:r>
+              <a:rPr lang="en-US" dirty="0"/>
+              <a:t>Get comfortable – pipes are pretty simple, but we use them constantly.</a:t>
+            </a:r>
+          </a:p>
+          <a:p>
+            <a:pPr lvl="1"/>
+            <a:r>
+              <a:rPr lang="en-US" dirty="0"/>
+              <a:t>Start reading the sklearn docs for pipelines – the docs are good and we refer to them a lot.  </a:t>
+            </a:r>
+          </a:p>
+          <a:p>
+            <a:r>
+              <a:rPr lang="en-US" dirty="0"/>
+              <a:t>If you feel this is easy:</a:t>
+            </a:r>
+          </a:p>
+          <a:p>
+            <a:pPr lvl="1"/>
+            <a:r>
+              <a:rPr lang="en-US" dirty="0"/>
+              <a:t>Take the titanic data, but don’t separate the categorical and numerical parts. </a:t>
+            </a:r>
+          </a:p>
+          <a:p>
+            <a:pPr lvl="1"/>
+            <a:r>
+              <a:rPr lang="en-US" dirty="0"/>
+              <a:t>Look up </a:t>
+            </a:r>
+            <a:r>
+              <a:rPr lang="en-US" dirty="0" err="1"/>
+              <a:t>columntransformer</a:t>
+            </a:r>
+            <a:r>
+              <a:rPr lang="en-US" dirty="0"/>
+              <a:t> and try to implement one to deal with that data. </a:t>
+            </a:r>
+          </a:p>
+        </p:txBody>
+      </p:sp>
     </p:spTree>
     <p:extLst>
       <p:ext uri="{BB962C8B-B14F-4D97-AF65-F5344CB8AC3E}">
-        <p14:creationId xmlns:p14="http://schemas.microsoft.com/office/powerpoint/2010/main" val="3974074074"/>
+        <p14:creationId xmlns:p14="http://schemas.microsoft.com/office/powerpoint/2010/main" val="1451638903"/>
       </p:ext>
     </p:extLst>
   </p:cSld>
@@ -5803,6 +6259,13 @@
             </a:r>
           </a:p>
           <a:p>
+            <a:pPr lvl="1"/>
+            <a:r>
+              <a:rPr lang="en-US" dirty="0"/>
+              <a:t>Empty spots need to be dealt with in some way. </a:t>
+            </a:r>
+          </a:p>
+          <a:p>
             <a:r>
               <a:rPr lang="en-US" dirty="0"/>
               <a:t>Creating long series of steps to prep data can be cumbersome. </a:t>
@@ -5858,6 +6321,460 @@
 </file>
 
 <file path=ppt/slides/slide4.xml><?xml version="1.0" encoding="utf-8"?>
+<p:sld xmlns:a="http://schemas.openxmlformats.org/drawingml/2006/main" xmlns:r="http://schemas.openxmlformats.org/officeDocument/2006/relationships" xmlns:p="http://schemas.openxmlformats.org/presentationml/2006/main">
+  <p:cSld>
+    <p:spTree>
+      <p:nvGrpSpPr>
+        <p:cNvPr id="1" name=""/>
+        <p:cNvGrpSpPr/>
+        <p:nvPr/>
+      </p:nvGrpSpPr>
+      <p:grpSpPr>
+        <a:xfrm>
+          <a:off x="0" y="0"/>
+          <a:ext cx="0" cy="0"/>
+          <a:chOff x="0" y="0"/>
+          <a:chExt cx="0" cy="0"/>
+        </a:xfrm>
+      </p:grpSpPr>
+      <p:sp>
+        <p:nvSpPr>
+          <p:cNvPr id="2" name="Title 1">
+            <a:extLst>
+              <a:ext uri="{FF2B5EF4-FFF2-40B4-BE49-F238E27FC236}">
+                <a16:creationId xmlns:a16="http://schemas.microsoft.com/office/drawing/2014/main" id="{A3480BD2-E7D5-ABAB-1F96-5B8D858C47FE}"/>
+              </a:ext>
+            </a:extLst>
+          </p:cNvPr>
+          <p:cNvSpPr>
+            <a:spLocks noGrp="1"/>
+          </p:cNvSpPr>
+          <p:nvPr>
+            <p:ph type="title"/>
+          </p:nvPr>
+        </p:nvSpPr>
+        <p:spPr/>
+        <p:txBody>
+          <a:bodyPr/>
+          <a:lstStyle/>
+          <a:p>
+            <a:r>
+              <a:rPr lang="en-US" dirty="0"/>
+              <a:t>Goals</a:t>
+            </a:r>
+          </a:p>
+        </p:txBody>
+      </p:sp>
+      <p:sp>
+        <p:nvSpPr>
+          <p:cNvPr id="3" name="Content Placeholder 2">
+            <a:extLst>
+              <a:ext uri="{FF2B5EF4-FFF2-40B4-BE49-F238E27FC236}">
+                <a16:creationId xmlns:a16="http://schemas.microsoft.com/office/drawing/2014/main" id="{A6D1C545-3612-DFE6-13B2-403D05ACFCB9}"/>
+              </a:ext>
+            </a:extLst>
+          </p:cNvPr>
+          <p:cNvSpPr>
+            <a:spLocks noGrp="1"/>
+          </p:cNvSpPr>
+          <p:nvPr>
+            <p:ph idx="1"/>
+          </p:nvPr>
+        </p:nvSpPr>
+        <p:spPr>
+          <a:xfrm>
+            <a:off x="1451579" y="1853754"/>
+            <a:ext cx="9603275" cy="4199727"/>
+          </a:xfrm>
+        </p:spPr>
+        <p:txBody>
+          <a:bodyPr/>
+          <a:lstStyle/>
+          <a:p>
+            <a:r>
+              <a:rPr lang="en-US" dirty="0"/>
+              <a:t>Get familiar with the pipeline class. </a:t>
+            </a:r>
+          </a:p>
+          <a:p>
+            <a:pPr lvl="1"/>
+            <a:r>
+              <a:rPr lang="en-US" dirty="0"/>
+              <a:t>You’ll need to use this all the time. </a:t>
+            </a:r>
+          </a:p>
+          <a:p>
+            <a:r>
+              <a:rPr lang="en-US" dirty="0"/>
+              <a:t>Get some practice writing functions by making custom transformers.</a:t>
+            </a:r>
+          </a:p>
+          <a:p>
+            <a:pPr lvl="1"/>
+            <a:r>
+              <a:rPr lang="en-US" dirty="0"/>
+              <a:t>We make functions that “drop into” some outside processes, which can feel weird. </a:t>
+            </a:r>
+          </a:p>
+          <a:p>
+            <a:pPr lvl="1"/>
+            <a:r>
+              <a:rPr lang="en-US" dirty="0"/>
+              <a:t>We really need to focus on hitting a spec in what we make.  </a:t>
+            </a:r>
+          </a:p>
+          <a:p>
+            <a:r>
+              <a:rPr lang="en-US" dirty="0"/>
+              <a:t>Get some practice reading documentation with sklearn documentation. </a:t>
+            </a:r>
+          </a:p>
+          <a:p>
+            <a:pPr lvl="1"/>
+            <a:r>
+              <a:rPr lang="en-US" dirty="0"/>
+              <a:t>You’ll also need to use this all the time. </a:t>
+            </a:r>
+          </a:p>
+          <a:p>
+            <a:r>
+              <a:rPr lang="en-US" dirty="0"/>
+              <a:t>Get some practice with spatial data and </a:t>
+            </a:r>
+            <a:r>
+              <a:rPr lang="en-US" dirty="0" err="1"/>
+              <a:t>geopandas</a:t>
+            </a:r>
+            <a:r>
+              <a:rPr lang="en-US" dirty="0"/>
+              <a:t>. </a:t>
+            </a:r>
+          </a:p>
+          <a:p>
+            <a:pPr lvl="1"/>
+            <a:r>
+              <a:rPr lang="en-US" dirty="0"/>
+              <a:t>If we are making transformers for practice, we might as well make them on spatial data. </a:t>
+            </a:r>
+          </a:p>
+        </p:txBody>
+      </p:sp>
+    </p:spTree>
+    <p:extLst>
+      <p:ext uri="{BB962C8B-B14F-4D97-AF65-F5344CB8AC3E}">
+        <p14:creationId xmlns:p14="http://schemas.microsoft.com/office/powerpoint/2010/main" val="1655804188"/>
+      </p:ext>
+    </p:extLst>
+  </p:cSld>
+  <p:clrMapOvr>
+    <a:masterClrMapping/>
+  </p:clrMapOvr>
+</p:sld>
+</file>
+
+<file path=ppt/slides/slide5.xml><?xml version="1.0" encoding="utf-8"?>
+<p:sld xmlns:a="http://schemas.openxmlformats.org/drawingml/2006/main" xmlns:r="http://schemas.openxmlformats.org/officeDocument/2006/relationships" xmlns:p="http://schemas.openxmlformats.org/presentationml/2006/main">
+  <p:cSld>
+    <p:spTree>
+      <p:nvGrpSpPr>
+        <p:cNvPr id="1" name=""/>
+        <p:cNvGrpSpPr/>
+        <p:nvPr/>
+      </p:nvGrpSpPr>
+      <p:grpSpPr>
+        <a:xfrm>
+          <a:off x="0" y="0"/>
+          <a:ext cx="0" cy="0"/>
+          <a:chOff x="0" y="0"/>
+          <a:chExt cx="0" cy="0"/>
+        </a:xfrm>
+      </p:grpSpPr>
+      <p:sp>
+        <p:nvSpPr>
+          <p:cNvPr id="2" name="Title 1">
+            <a:extLst>
+              <a:ext uri="{FF2B5EF4-FFF2-40B4-BE49-F238E27FC236}">
+                <a16:creationId xmlns:a16="http://schemas.microsoft.com/office/drawing/2014/main" id="{448AC509-EE5B-E561-3ACB-B3C0C49D5462}"/>
+              </a:ext>
+            </a:extLst>
+          </p:cNvPr>
+          <p:cNvSpPr>
+            <a:spLocks noGrp="1"/>
+          </p:cNvSpPr>
+          <p:nvPr>
+            <p:ph type="title"/>
+          </p:nvPr>
+        </p:nvSpPr>
+        <p:spPr/>
+        <p:txBody>
+          <a:bodyPr/>
+          <a:lstStyle/>
+          <a:p>
+            <a:r>
+              <a:rPr lang="en-US" dirty="0"/>
+              <a:t>Scikit Learn - Sklearn</a:t>
+            </a:r>
+          </a:p>
+        </p:txBody>
+      </p:sp>
+      <p:sp>
+        <p:nvSpPr>
+          <p:cNvPr id="3" name="Content Placeholder 2">
+            <a:extLst>
+              <a:ext uri="{FF2B5EF4-FFF2-40B4-BE49-F238E27FC236}">
+                <a16:creationId xmlns:a16="http://schemas.microsoft.com/office/drawing/2014/main" id="{BFD460BB-8718-F3CA-EC8D-ECA663C89309}"/>
+              </a:ext>
+            </a:extLst>
+          </p:cNvPr>
+          <p:cNvSpPr>
+            <a:spLocks noGrp="1"/>
+          </p:cNvSpPr>
+          <p:nvPr>
+            <p:ph idx="1"/>
+          </p:nvPr>
+        </p:nvSpPr>
+        <p:spPr>
+          <a:xfrm>
+            <a:off x="1451579" y="1853754"/>
+            <a:ext cx="9603275" cy="4199727"/>
+          </a:xfrm>
+        </p:spPr>
+        <p:txBody>
+          <a:bodyPr>
+            <a:normAutofit/>
+          </a:bodyPr>
+          <a:lstStyle/>
+          <a:p>
+            <a:r>
+              <a:rPr lang="en-US" dirty="0"/>
+              <a:t>Pipelines are part of sklearn, the main library for non neural network machine learning. </a:t>
+            </a:r>
+          </a:p>
+          <a:p>
+            <a:pPr lvl="1"/>
+            <a:r>
+              <a:rPr lang="en-US" dirty="0"/>
+              <a:t>We use sklearn constantly next semester. </a:t>
+            </a:r>
+          </a:p>
+          <a:p>
+            <a:r>
+              <a:rPr lang="en-US" dirty="0"/>
+              <a:t>The language and structure of how things work is (mostly) consistent across the library. </a:t>
+            </a:r>
+          </a:p>
+          <a:p>
+            <a:pPr lvl="1"/>
+            <a:r>
+              <a:rPr lang="en-US" dirty="0"/>
+              <a:t>What you get used to here will generally help, so even unfocused familiarity is good. </a:t>
+            </a:r>
+          </a:p>
+          <a:p>
+            <a:r>
+              <a:rPr lang="en-US" dirty="0"/>
+              <a:t>Practice reading and using documentation!</a:t>
+            </a:r>
+          </a:p>
+          <a:p>
+            <a:pPr lvl="1"/>
+            <a:r>
+              <a:rPr lang="en-US" dirty="0"/>
+              <a:t>The sklearn </a:t>
+            </a:r>
+            <a:r>
+              <a:rPr lang="en-US" dirty="0" err="1"/>
+              <a:t>api</a:t>
+            </a:r>
+            <a:r>
+              <a:rPr lang="en-US" dirty="0"/>
+              <a:t> documentation is generally pretty good, there are examples and user guides. </a:t>
+            </a:r>
+          </a:p>
+          <a:p>
+            <a:pPr lvl="1"/>
+            <a:r>
+              <a:rPr lang="en-US" dirty="0"/>
+              <a:t>For almost everything, there is a </a:t>
+            </a:r>
+            <a:r>
+              <a:rPr lang="en-US" dirty="0" err="1"/>
+              <a:t>stackoverflow</a:t>
+            </a:r>
+            <a:r>
+              <a:rPr lang="en-US" dirty="0"/>
+              <a:t>, blog, or video explaining it with a better </a:t>
+            </a:r>
+            <a:r>
+              <a:rPr lang="en-US" dirty="0" err="1"/>
+              <a:t>eg.</a:t>
+            </a:r>
+            <a:endParaRPr lang="en-US" dirty="0"/>
+          </a:p>
+          <a:p>
+            <a:pPr lvl="1"/>
+            <a:r>
+              <a:rPr lang="en-US" dirty="0"/>
+              <a:t>Try to get used to “I need to do something”-&gt;”look for how”-&gt;”read API for thing”-&gt;”do it”. </a:t>
+            </a:r>
+          </a:p>
+          <a:p>
+            <a:r>
+              <a:rPr lang="en-US" dirty="0"/>
+              <a:t>There’s no consequence so try to experiment a bit – extend or change, test and see…</a:t>
+            </a:r>
+          </a:p>
+        </p:txBody>
+      </p:sp>
+    </p:spTree>
+    <p:extLst>
+      <p:ext uri="{BB962C8B-B14F-4D97-AF65-F5344CB8AC3E}">
+        <p14:creationId xmlns:p14="http://schemas.microsoft.com/office/powerpoint/2010/main" val="1894922036"/>
+      </p:ext>
+    </p:extLst>
+  </p:cSld>
+  <p:clrMapOvr>
+    <a:masterClrMapping/>
+  </p:clrMapOvr>
+</p:sld>
+</file>
+
+<file path=ppt/slides/slide6.xml><?xml version="1.0" encoding="utf-8"?>
+<p:sld xmlns:a="http://schemas.openxmlformats.org/drawingml/2006/main" xmlns:r="http://schemas.openxmlformats.org/officeDocument/2006/relationships" xmlns:p="http://schemas.openxmlformats.org/presentationml/2006/main">
+  <p:cSld>
+    <p:spTree>
+      <p:nvGrpSpPr>
+        <p:cNvPr id="1" name=""/>
+        <p:cNvGrpSpPr/>
+        <p:nvPr/>
+      </p:nvGrpSpPr>
+      <p:grpSpPr>
+        <a:xfrm>
+          <a:off x="0" y="0"/>
+          <a:ext cx="0" cy="0"/>
+          <a:chOff x="0" y="0"/>
+          <a:chExt cx="0" cy="0"/>
+        </a:xfrm>
+      </p:grpSpPr>
+      <p:sp>
+        <p:nvSpPr>
+          <p:cNvPr id="2" name="Title 1">
+            <a:extLst>
+              <a:ext uri="{FF2B5EF4-FFF2-40B4-BE49-F238E27FC236}">
+                <a16:creationId xmlns:a16="http://schemas.microsoft.com/office/drawing/2014/main" id="{72AA7200-9595-0E4C-A84E-729B6D9533F4}"/>
+              </a:ext>
+            </a:extLst>
+          </p:cNvPr>
+          <p:cNvSpPr>
+            <a:spLocks noGrp="1"/>
+          </p:cNvSpPr>
+          <p:nvPr>
+            <p:ph type="title"/>
+          </p:nvPr>
+        </p:nvSpPr>
+        <p:spPr/>
+        <p:txBody>
+          <a:bodyPr/>
+          <a:lstStyle/>
+          <a:p>
+            <a:r>
+              <a:rPr lang="en-US" dirty="0"/>
+              <a:t>Using Pipelines</a:t>
+            </a:r>
+          </a:p>
+        </p:txBody>
+      </p:sp>
+      <p:sp>
+        <p:nvSpPr>
+          <p:cNvPr id="3" name="Content Placeholder 2">
+            <a:extLst>
+              <a:ext uri="{FF2B5EF4-FFF2-40B4-BE49-F238E27FC236}">
+                <a16:creationId xmlns:a16="http://schemas.microsoft.com/office/drawing/2014/main" id="{D332A8B7-AC21-1348-89A2-5E8950F0A454}"/>
+              </a:ext>
+            </a:extLst>
+          </p:cNvPr>
+          <p:cNvSpPr>
+            <a:spLocks noGrp="1"/>
+          </p:cNvSpPr>
+          <p:nvPr>
+            <p:ph idx="1"/>
+          </p:nvPr>
+        </p:nvSpPr>
+        <p:spPr>
+          <a:xfrm>
+            <a:off x="1451579" y="1853754"/>
+            <a:ext cx="9603275" cy="4338324"/>
+          </a:xfrm>
+        </p:spPr>
+        <p:txBody>
+          <a:bodyPr>
+            <a:normAutofit/>
+          </a:bodyPr>
+          <a:lstStyle/>
+          <a:p>
+            <a:r>
+              <a:rPr lang="en-US" dirty="0"/>
+              <a:t>Pipelines can contain most or all of our prep steps. </a:t>
+            </a:r>
+          </a:p>
+          <a:p>
+            <a:r>
+              <a:rPr lang="en-US" dirty="0"/>
+              <a:t>Makes code easier to read and maintain. </a:t>
+            </a:r>
+          </a:p>
+          <a:p>
+            <a:r>
+              <a:rPr lang="en-US" dirty="0"/>
+              <a:t>Automatically apply the processing to the data as part of the model. </a:t>
+            </a:r>
+          </a:p>
+          <a:p>
+            <a:endParaRPr lang="en-US" dirty="0"/>
+          </a:p>
+          <a:p>
+            <a:r>
+              <a:rPr lang="en-US" dirty="0"/>
+              <a:t>The pipeline is an object. </a:t>
+            </a:r>
+          </a:p>
+          <a:p>
+            <a:pPr lvl="1"/>
+            <a:r>
+              <a:rPr lang="en-US" dirty="0"/>
+              <a:t>We create it by making an object then defining steps. </a:t>
+            </a:r>
+          </a:p>
+          <a:p>
+            <a:pPr lvl="1"/>
+            <a:r>
+              <a:rPr lang="en-US" dirty="0"/>
+              <a:t>Use it by feeding the data to it, then we “use” it instead of data to feed the data to the model. </a:t>
+            </a:r>
+          </a:p>
+          <a:p>
+            <a:pPr lvl="1"/>
+            <a:r>
+              <a:rPr lang="en-US" dirty="0"/>
+              <a:t>The pipeline takes in data, does each step, and results in the transformed data. (i.e. the pipe ‘is’ the final data). </a:t>
+            </a:r>
+          </a:p>
+        </p:txBody>
+      </p:sp>
+    </p:spTree>
+    <p:extLst>
+      <p:ext uri="{BB962C8B-B14F-4D97-AF65-F5344CB8AC3E}">
+        <p14:creationId xmlns:p14="http://schemas.microsoft.com/office/powerpoint/2010/main" val="2411595138"/>
+      </p:ext>
+    </p:extLst>
+  </p:cSld>
+  <p:clrMapOvr>
+    <a:masterClrMapping/>
+  </p:clrMapOvr>
+</p:sld>
+</file>
+
+<file path=ppt/slides/slide7.xml><?xml version="1.0" encoding="utf-8"?>
 <p:sld xmlns:a="http://schemas.openxmlformats.org/drawingml/2006/main" xmlns:r="http://schemas.openxmlformats.org/officeDocument/2006/relationships" xmlns:p="http://schemas.openxmlformats.org/presentationml/2006/main">
   <p:cSld>
     <p:spTree>
@@ -5984,7 +6901,7 @@
 </p:sld>
 </file>
 
-<file path=ppt/slides/slide5.xml><?xml version="1.0" encoding="utf-8"?>
+<file path=ppt/slides/slide8.xml><?xml version="1.0" encoding="utf-8"?>
 <p:sld xmlns:a="http://schemas.openxmlformats.org/drawingml/2006/main" xmlns:r="http://schemas.openxmlformats.org/officeDocument/2006/relationships" xmlns:p="http://schemas.openxmlformats.org/presentationml/2006/main">
   <p:cSld>
     <p:spTree>
@@ -6006,141 +6923,6 @@
           <p:cNvPr id="2" name="Title 1">
             <a:extLst>
               <a:ext uri="{FF2B5EF4-FFF2-40B4-BE49-F238E27FC236}">
-                <a16:creationId xmlns:a16="http://schemas.microsoft.com/office/drawing/2014/main" id="{72AA7200-9595-0E4C-A84E-729B6D9533F4}"/>
-              </a:ext>
-            </a:extLst>
-          </p:cNvPr>
-          <p:cNvSpPr>
-            <a:spLocks noGrp="1"/>
-          </p:cNvSpPr>
-          <p:nvPr>
-            <p:ph type="title"/>
-          </p:nvPr>
-        </p:nvSpPr>
-        <p:spPr/>
-        <p:txBody>
-          <a:bodyPr/>
-          <a:lstStyle/>
-          <a:p>
-            <a:r>
-              <a:rPr lang="en-US" dirty="0"/>
-              <a:t>Using Pipelines</a:t>
-            </a:r>
-          </a:p>
-        </p:txBody>
-      </p:sp>
-      <p:sp>
-        <p:nvSpPr>
-          <p:cNvPr id="3" name="Content Placeholder 2">
-            <a:extLst>
-              <a:ext uri="{FF2B5EF4-FFF2-40B4-BE49-F238E27FC236}">
-                <a16:creationId xmlns:a16="http://schemas.microsoft.com/office/drawing/2014/main" id="{D332A8B7-AC21-1348-89A2-5E8950F0A454}"/>
-              </a:ext>
-            </a:extLst>
-          </p:cNvPr>
-          <p:cNvSpPr>
-            <a:spLocks noGrp="1"/>
-          </p:cNvSpPr>
-          <p:nvPr>
-            <p:ph idx="1"/>
-          </p:nvPr>
-        </p:nvSpPr>
-        <p:spPr>
-          <a:xfrm>
-            <a:off x="1451579" y="1853754"/>
-            <a:ext cx="9603275" cy="4338324"/>
-          </a:xfrm>
-        </p:spPr>
-        <p:txBody>
-          <a:bodyPr>
-            <a:normAutofit/>
-          </a:bodyPr>
-          <a:lstStyle/>
-          <a:p>
-            <a:r>
-              <a:rPr lang="en-US" dirty="0"/>
-              <a:t>Pipelines can contain most or all of our prep steps. </a:t>
-            </a:r>
-          </a:p>
-          <a:p>
-            <a:r>
-              <a:rPr lang="en-US" dirty="0"/>
-              <a:t>Makes code easier to read and maintain. </a:t>
-            </a:r>
-          </a:p>
-          <a:p>
-            <a:r>
-              <a:rPr lang="en-US" dirty="0"/>
-              <a:t>Automatically apply the processing to the data as part of the model. </a:t>
-            </a:r>
-          </a:p>
-          <a:p>
-            <a:endParaRPr lang="en-US" dirty="0"/>
-          </a:p>
-          <a:p>
-            <a:r>
-              <a:rPr lang="en-US" dirty="0"/>
-              <a:t>The pipeline is an object. </a:t>
-            </a:r>
-          </a:p>
-          <a:p>
-            <a:pPr lvl="1"/>
-            <a:r>
-              <a:rPr lang="en-US" dirty="0"/>
-              <a:t>We create it by making an object then defining steps. </a:t>
-            </a:r>
-          </a:p>
-          <a:p>
-            <a:pPr lvl="1"/>
-            <a:r>
-              <a:rPr lang="en-US" dirty="0"/>
-              <a:t>Use it by feeding the data to it, then we “use” it instead of data to feed the data to the model. </a:t>
-            </a:r>
-          </a:p>
-          <a:p>
-            <a:pPr lvl="1"/>
-            <a:r>
-              <a:rPr lang="en-US" dirty="0"/>
-              <a:t>The pipeline takes in data, does each step, and results in the transformed data. (i.e. the pipe ‘is’ the final data). </a:t>
-            </a:r>
-          </a:p>
-        </p:txBody>
-      </p:sp>
-    </p:spTree>
-    <p:extLst>
-      <p:ext uri="{BB962C8B-B14F-4D97-AF65-F5344CB8AC3E}">
-        <p14:creationId xmlns:p14="http://schemas.microsoft.com/office/powerpoint/2010/main" val="2411595138"/>
-      </p:ext>
-    </p:extLst>
-  </p:cSld>
-  <p:clrMapOvr>
-    <a:masterClrMapping/>
-  </p:clrMapOvr>
-</p:sld>
-</file>
-
-<file path=ppt/slides/slide6.xml><?xml version="1.0" encoding="utf-8"?>
-<p:sld xmlns:a="http://schemas.openxmlformats.org/drawingml/2006/main" xmlns:r="http://schemas.openxmlformats.org/officeDocument/2006/relationships" xmlns:p="http://schemas.openxmlformats.org/presentationml/2006/main">
-  <p:cSld>
-    <p:spTree>
-      <p:nvGrpSpPr>
-        <p:cNvPr id="1" name=""/>
-        <p:cNvGrpSpPr/>
-        <p:nvPr/>
-      </p:nvGrpSpPr>
-      <p:grpSpPr>
-        <a:xfrm>
-          <a:off x="0" y="0"/>
-          <a:ext cx="0" cy="0"/>
-          <a:chOff x="0" y="0"/>
-          <a:chExt cx="0" cy="0"/>
-        </a:xfrm>
-      </p:grpSpPr>
-      <p:sp>
-        <p:nvSpPr>
-          <p:cNvPr id="2" name="Title 1">
-            <a:extLst>
-              <a:ext uri="{FF2B5EF4-FFF2-40B4-BE49-F238E27FC236}">
                 <a16:creationId xmlns:a16="http://schemas.microsoft.com/office/drawing/2014/main" id="{6316BCDB-0812-D9B8-B279-221A8758983A}"/>
               </a:ext>
             </a:extLst>
@@ -6259,7 +7041,7 @@
 </p:sld>
 </file>
 
-<file path=ppt/slides/slide7.xml><?xml version="1.0" encoding="utf-8"?>
+<file path=ppt/slides/slide9.xml><?xml version="1.0" encoding="utf-8"?>
 <p:sld xmlns:a="http://schemas.openxmlformats.org/drawingml/2006/main" xmlns:r="http://schemas.openxmlformats.org/officeDocument/2006/relationships" xmlns:p="http://schemas.openxmlformats.org/presentationml/2006/main">
   <p:cSld>
     <p:bg>
@@ -6405,7 +7187,7 @@
         </p:spPr>
         <p:txBody>
           <a:bodyPr>
-            <a:normAutofit/>
+            <a:normAutofit lnSpcReduction="10000"/>
           </a:bodyPr>
           <a:lstStyle/>
           <a:p>
@@ -6452,6 +7234,12 @@
             <a:r>
               <a:rPr lang="en-US" dirty="0"/>
               <a:t>If we have mixed data, we must split it. </a:t>
+            </a:r>
+          </a:p>
+          <a:p>
+            <a:r>
+              <a:rPr lang="en-US" dirty="0"/>
+              <a:t>We can have an unlimited number of pipes, connected in any configuration.</a:t>
             </a:r>
           </a:p>
         </p:txBody>
@@ -6460,288 +7248,6 @@
     <p:extLst>
       <p:ext uri="{BB962C8B-B14F-4D97-AF65-F5344CB8AC3E}">
         <p14:creationId xmlns:p14="http://schemas.microsoft.com/office/powerpoint/2010/main" val="2330465001"/>
-      </p:ext>
-    </p:extLst>
-  </p:cSld>
-  <p:clrMapOvr>
-    <a:masterClrMapping/>
-  </p:clrMapOvr>
-</p:sld>
-</file>
-
-<file path=ppt/slides/slide8.xml><?xml version="1.0" encoding="utf-8"?>
-<p:sld xmlns:a="http://schemas.openxmlformats.org/drawingml/2006/main" xmlns:r="http://schemas.openxmlformats.org/officeDocument/2006/relationships" xmlns:p="http://schemas.openxmlformats.org/presentationml/2006/main">
-  <p:cSld>
-    <p:spTree>
-      <p:nvGrpSpPr>
-        <p:cNvPr id="1" name=""/>
-        <p:cNvGrpSpPr/>
-        <p:nvPr/>
-      </p:nvGrpSpPr>
-      <p:grpSpPr>
-        <a:xfrm>
-          <a:off x="0" y="0"/>
-          <a:ext cx="0" cy="0"/>
-          <a:chOff x="0" y="0"/>
-          <a:chExt cx="0" cy="0"/>
-        </a:xfrm>
-      </p:grpSpPr>
-      <p:sp>
-        <p:nvSpPr>
-          <p:cNvPr id="2" name="Title 1">
-            <a:extLst>
-              <a:ext uri="{FF2B5EF4-FFF2-40B4-BE49-F238E27FC236}">
-                <a16:creationId xmlns:a16="http://schemas.microsoft.com/office/drawing/2014/main" id="{42341469-2B29-7B3B-B344-4ACD8214FB46}"/>
-              </a:ext>
-            </a:extLst>
-          </p:cNvPr>
-          <p:cNvSpPr>
-            <a:spLocks noGrp="1"/>
-          </p:cNvSpPr>
-          <p:nvPr>
-            <p:ph type="title"/>
-          </p:nvPr>
-        </p:nvSpPr>
-        <p:spPr/>
-        <p:txBody>
-          <a:bodyPr/>
-          <a:lstStyle/>
-          <a:p>
-            <a:r>
-              <a:rPr lang="en-US" dirty="0"/>
-              <a:t>Leaking out of the pipe</a:t>
-            </a:r>
-          </a:p>
-        </p:txBody>
-      </p:sp>
-      <p:sp>
-        <p:nvSpPr>
-          <p:cNvPr id="3" name="Content Placeholder 2">
-            <a:extLst>
-              <a:ext uri="{FF2B5EF4-FFF2-40B4-BE49-F238E27FC236}">
-                <a16:creationId xmlns:a16="http://schemas.microsoft.com/office/drawing/2014/main" id="{579CF08A-9444-4C40-A7A4-530535E87D2E}"/>
-              </a:ext>
-            </a:extLst>
-          </p:cNvPr>
-          <p:cNvSpPr>
-            <a:spLocks noGrp="1"/>
-          </p:cNvSpPr>
-          <p:nvPr>
-            <p:ph idx="1"/>
-          </p:nvPr>
-        </p:nvSpPr>
-        <p:spPr>
-          <a:xfrm>
-            <a:off x="1451579" y="2015731"/>
-            <a:ext cx="9603275" cy="4037749"/>
-          </a:xfrm>
-        </p:spPr>
-        <p:txBody>
-          <a:bodyPr/>
-          <a:lstStyle/>
-          <a:p>
-            <a:r>
-              <a:rPr lang="en-US" dirty="0"/>
-              <a:t>The pipe is the thing we generally submit to the ML algorithm. </a:t>
-            </a:r>
-          </a:p>
-          <a:p>
-            <a:pPr lvl="1"/>
-            <a:r>
-              <a:rPr lang="en-US" dirty="0"/>
-              <a:t>The pipe returns the transformed data, so the pipe “becomes” our data. (Kind of). </a:t>
-            </a:r>
-          </a:p>
-          <a:p>
-            <a:r>
-              <a:rPr lang="en-US" dirty="0"/>
-              <a:t>If we capture the output, we get an array. </a:t>
-            </a:r>
-          </a:p>
-          <a:p>
-            <a:pPr lvl="1"/>
-            <a:r>
-              <a:rPr lang="en-US" dirty="0"/>
-              <a:t>We can remake a </a:t>
-            </a:r>
-            <a:r>
-              <a:rPr lang="en-US" dirty="0" err="1"/>
-              <a:t>dataframe</a:t>
-            </a:r>
-            <a:r>
-              <a:rPr lang="en-US" dirty="0"/>
-              <a:t> from the data, the original columns are in </a:t>
-            </a:r>
-            <a:r>
-              <a:rPr lang="en-US" dirty="0" err="1"/>
-              <a:t>df.columns</a:t>
-            </a:r>
-            <a:r>
-              <a:rPr lang="en-US" dirty="0"/>
-              <a:t>. </a:t>
-            </a:r>
-          </a:p>
-          <a:p>
-            <a:r>
-              <a:rPr lang="en-US" dirty="0"/>
-              <a:t>Side Note: generally we end up with a wall of numbers, as ML models need numbers. </a:t>
-            </a:r>
-          </a:p>
-          <a:p>
-            <a:pPr lvl="1"/>
-            <a:r>
-              <a:rPr lang="en-US" dirty="0"/>
-              <a:t>We have to encode the categorical data at some point in the pipe. </a:t>
-            </a:r>
-          </a:p>
-          <a:p>
-            <a:r>
-              <a:rPr lang="en-US" dirty="0"/>
-              <a:t>Double Side Note: pipelines have just been improved in the last revision to work with </a:t>
-            </a:r>
-            <a:r>
-              <a:rPr lang="en-US" dirty="0" err="1"/>
-              <a:t>dataframes</a:t>
-            </a:r>
-            <a:r>
-              <a:rPr lang="en-US" dirty="0"/>
-              <a:t> more natively, so some of this might become easier right away. </a:t>
-            </a:r>
-          </a:p>
-        </p:txBody>
-      </p:sp>
-    </p:spTree>
-    <p:extLst>
-      <p:ext uri="{BB962C8B-B14F-4D97-AF65-F5344CB8AC3E}">
-        <p14:creationId xmlns:p14="http://schemas.microsoft.com/office/powerpoint/2010/main" val="51997045"/>
-      </p:ext>
-    </p:extLst>
-  </p:cSld>
-  <p:clrMapOvr>
-    <a:masterClrMapping/>
-  </p:clrMapOvr>
-</p:sld>
-</file>
-
-<file path=ppt/slides/slide9.xml><?xml version="1.0" encoding="utf-8"?>
-<p:sld xmlns:a="http://schemas.openxmlformats.org/drawingml/2006/main" xmlns:r="http://schemas.openxmlformats.org/officeDocument/2006/relationships" xmlns:p="http://schemas.openxmlformats.org/presentationml/2006/main">
-  <p:cSld>
-    <p:spTree>
-      <p:nvGrpSpPr>
-        <p:cNvPr id="1" name=""/>
-        <p:cNvGrpSpPr/>
-        <p:nvPr/>
-      </p:nvGrpSpPr>
-      <p:grpSpPr>
-        <a:xfrm>
-          <a:off x="0" y="0"/>
-          <a:ext cx="0" cy="0"/>
-          <a:chOff x="0" y="0"/>
-          <a:chExt cx="0" cy="0"/>
-        </a:xfrm>
-      </p:grpSpPr>
-      <p:sp>
-        <p:nvSpPr>
-          <p:cNvPr id="2" name="Title 1">
-            <a:extLst>
-              <a:ext uri="{FF2B5EF4-FFF2-40B4-BE49-F238E27FC236}">
-                <a16:creationId xmlns:a16="http://schemas.microsoft.com/office/drawing/2014/main" id="{9F424E49-A12D-C960-456E-CD79E358ACEF}"/>
-              </a:ext>
-            </a:extLst>
-          </p:cNvPr>
-          <p:cNvSpPr>
-            <a:spLocks noGrp="1"/>
-          </p:cNvSpPr>
-          <p:nvPr>
-            <p:ph type="title"/>
-          </p:nvPr>
-        </p:nvSpPr>
-        <p:spPr/>
-        <p:txBody>
-          <a:bodyPr/>
-          <a:lstStyle/>
-          <a:p>
-            <a:r>
-              <a:rPr lang="en-US" dirty="0"/>
-              <a:t>Pipeline Steps - Transformers</a:t>
-            </a:r>
-          </a:p>
-        </p:txBody>
-      </p:sp>
-      <p:sp>
-        <p:nvSpPr>
-          <p:cNvPr id="3" name="Content Placeholder 2">
-            <a:extLst>
-              <a:ext uri="{FF2B5EF4-FFF2-40B4-BE49-F238E27FC236}">
-                <a16:creationId xmlns:a16="http://schemas.microsoft.com/office/drawing/2014/main" id="{455C43A6-0D3B-AD1D-CECE-026FC89E5A01}"/>
-              </a:ext>
-            </a:extLst>
-          </p:cNvPr>
-          <p:cNvSpPr>
-            <a:spLocks noGrp="1"/>
-          </p:cNvSpPr>
-          <p:nvPr>
-            <p:ph idx="1"/>
-          </p:nvPr>
-        </p:nvSpPr>
-        <p:spPr/>
-        <p:txBody>
-          <a:bodyPr/>
-          <a:lstStyle/>
-          <a:p>
-            <a:endParaRPr lang="en-US"/>
-          </a:p>
-        </p:txBody>
-      </p:sp>
-      <p:pic>
-        <p:nvPicPr>
-          <p:cNvPr id="3074" name="Picture 2" descr="Transformers One (2024) - IMDb">
-            <a:extLst>
-              <a:ext uri="{FF2B5EF4-FFF2-40B4-BE49-F238E27FC236}">
-                <a16:creationId xmlns:a16="http://schemas.microsoft.com/office/drawing/2014/main" id="{60261ED0-FB66-6B1A-C4D8-0D5B3C7821C6}"/>
-              </a:ext>
-            </a:extLst>
-          </p:cNvPr>
-          <p:cNvPicPr>
-            <a:picLocks noChangeAspect="1" noChangeArrowheads="1"/>
-          </p:cNvPicPr>
-          <p:nvPr/>
-        </p:nvPicPr>
-        <p:blipFill rotWithShape="1">
-          <a:blip r:embed="rId2">
-            <a:extLst>
-              <a:ext uri="{28A0092B-C50C-407E-A947-70E740481C1C}">
-                <a14:useLocalDpi xmlns:a14="http://schemas.microsoft.com/office/drawing/2010/main" val="0"/>
-              </a:ext>
-            </a:extLst>
-          </a:blip>
-          <a:srcRect t="4144" b="9910"/>
-          <a:stretch/>
-        </p:blipFill>
-        <p:spPr bwMode="auto">
-          <a:xfrm>
-            <a:off x="4108826" y="1450811"/>
-            <a:ext cx="3974348" cy="5407189"/>
-          </a:xfrm>
-          <a:prstGeom prst="rect">
-            <a:avLst/>
-          </a:prstGeom>
-          <a:noFill/>
-          <a:extLst>
-            <a:ext uri="{909E8E84-426E-40DD-AFC4-6F175D3DCCD1}">
-              <a14:hiddenFill xmlns:a14="http://schemas.microsoft.com/office/drawing/2010/main">
-                <a:solidFill>
-                  <a:srgbClr val="FFFFFF"/>
-                </a:solidFill>
-              </a14:hiddenFill>
-            </a:ext>
-          </a:extLst>
-        </p:spPr>
-      </p:pic>
-    </p:spTree>
-    <p:extLst>
-      <p:ext uri="{BB962C8B-B14F-4D97-AF65-F5344CB8AC3E}">
-        <p14:creationId xmlns:p14="http://schemas.microsoft.com/office/powerpoint/2010/main" val="3488446944"/>
       </p:ext>
     </p:extLst>
   </p:cSld>
